--- a/tuesday progress presentation2.pptx
+++ b/tuesday progress presentation2.pptx
@@ -3533,7 +3533,7 @@
                 <a:cs typeface="Arial" panose="020B0604020202020204" pitchFamily="34" charset="0"/>
                 <a:sym typeface="Zapf Dingbats"/>
               </a:rPr>
-              <a:t>✖</a:t>
+              <a:t>✘</a:t>
             </a:r>
             <a:r>
               <a:rPr lang="en-US" sz="2000" dirty="0">
@@ -3555,23 +3555,30 @@
           <a:p>
             <a:pPr marL="520700" lvl="1" indent="-292100"/>
             <a:r>
-              <a:rPr lang="en-US" sz="2000" dirty="0">
+              <a:rPr lang="en-US" sz="2000">
                 <a:solidFill>
-                  <a:srgbClr val="00CD02"/>
+                  <a:srgbClr val="00B050"/>
                 </a:solidFill>
                 <a:latin typeface="Arial" panose="020B0604020202020204" pitchFamily="34" charset="0"/>
                 <a:ea typeface="Zapf Dingbats"/>
                 <a:cs typeface="Arial" panose="020B0604020202020204" pitchFamily="34" charset="0"/>
                 <a:sym typeface="Zapf Dingbats"/>
               </a:rPr>
-              <a:t>✔</a:t>
+              <a:t>✓ </a:t>
+            </a:r>
+            <a:r>
+              <a:rPr lang="en-US" sz="2000">
+                <a:latin typeface="Arial" panose="020B0604020202020204" pitchFamily="34" charset="0"/>
+                <a:cs typeface="Arial" panose="020B0604020202020204" pitchFamily="34" charset="0"/>
+              </a:rPr>
+              <a:t>~</a:t>
             </a:r>
             <a:r>
               <a:rPr lang="en-US" sz="2000" dirty="0">
                 <a:latin typeface="Arial" panose="020B0604020202020204" pitchFamily="34" charset="0"/>
                 <a:cs typeface="Arial" panose="020B0604020202020204" pitchFamily="34" charset="0"/>
               </a:rPr>
-              <a:t>~2k “viral”-enriched set from Rodney</a:t>
+              <a:t>2k “viral”-enriched set from Rodney</a:t>
             </a:r>
           </a:p>
         </p:txBody>

--- a/tuesday progress presentation2.pptx
+++ b/tuesday progress presentation2.pptx
@@ -6,7 +6,8 @@
   </p:sldMasterIdLst>
   <p:sldIdLst>
     <p:sldId id="257" r:id="rId2"/>
-    <p:sldId id="256" r:id="rId3"/>
+    <p:sldId id="258" r:id="rId3"/>
+    <p:sldId id="259" r:id="rId4"/>
   </p:sldIdLst>
   <p:sldSz cx="12192000" cy="6858000"/>
   <p:notesSz cx="6858000" cy="9144000"/>
@@ -3399,55 +3400,6 @@
       </p:sp>
       <p:sp>
         <p:nvSpPr>
-          <p:cNvPr id="4" name="TextBox 3">
-            <a:extLst>
-              <a:ext uri="{FF2B5EF4-FFF2-40B4-BE49-F238E27FC236}">
-                <a16:creationId xmlns:a16="http://schemas.microsoft.com/office/drawing/2014/main" id="{0686A34B-654E-444B-94ED-82CB45B78E7A}"/>
-              </a:ext>
-            </a:extLst>
-          </p:cNvPr>
-          <p:cNvSpPr txBox="1"/>
-          <p:nvPr/>
-        </p:nvSpPr>
-        <p:spPr>
-          <a:xfrm>
-            <a:off x="6391128" y="1640473"/>
-            <a:ext cx="4036648" cy="830997"/>
-          </a:xfrm>
-          <a:prstGeom prst="rect">
-            <a:avLst/>
-          </a:prstGeom>
-          <a:noFill/>
-        </p:spPr>
-        <p:txBody>
-          <a:bodyPr wrap="square" rtlCol="0">
-            <a:spAutoFit/>
-          </a:bodyPr>
-          <a:lstStyle/>
-          <a:p>
-            <a:pPr algn="ctr"/>
-            <a:r>
-              <a:rPr lang="en-US" sz="2400" dirty="0">
-                <a:latin typeface="Arial" panose="020B0604020202020204" pitchFamily="34" charset="0"/>
-                <a:cs typeface="Arial" panose="020B0604020202020204" pitchFamily="34" charset="0"/>
-              </a:rPr>
-              <a:t>~100k datasets with</a:t>
-            </a:r>
-          </a:p>
-          <a:p>
-            <a:pPr algn="ctr"/>
-            <a:r>
-              <a:rPr lang="en-US" sz="2400" dirty="0">
-                <a:latin typeface="Arial" panose="020B0604020202020204" pitchFamily="34" charset="0"/>
-                <a:cs typeface="Arial" panose="020B0604020202020204" pitchFamily="34" charset="0"/>
-              </a:rPr>
-              <a:t>non-assembled reads</a:t>
-            </a:r>
-          </a:p>
-        </p:txBody>
-      </p:sp>
-      <p:sp>
-        <p:nvSpPr>
           <p:cNvPr id="5" name="TextBox 4">
             <a:extLst>
               <a:ext uri="{FF2B5EF4-FFF2-40B4-BE49-F238E27FC236}">
@@ -3585,125 +3537,6 @@
       </p:sp>
       <p:sp>
         <p:nvSpPr>
-          <p:cNvPr id="8" name="TextBox 7">
-            <a:extLst>
-              <a:ext uri="{FF2B5EF4-FFF2-40B4-BE49-F238E27FC236}">
-                <a16:creationId xmlns:a16="http://schemas.microsoft.com/office/drawing/2014/main" id="{1284D624-8205-4C43-9ADC-CE50606A4A76}"/>
-              </a:ext>
-            </a:extLst>
-          </p:cNvPr>
-          <p:cNvSpPr txBox="1"/>
-          <p:nvPr/>
-        </p:nvSpPr>
-        <p:spPr>
-          <a:xfrm>
-            <a:off x="6391128" y="3166901"/>
-            <a:ext cx="4036648" cy="3039588"/>
-          </a:xfrm>
-          <a:prstGeom prst="rect">
-            <a:avLst/>
-          </a:prstGeom>
-          <a:solidFill>
-            <a:schemeClr val="bg1">
-              <a:lumMod val="95000"/>
-            </a:schemeClr>
-          </a:solidFill>
-        </p:spPr>
-        <p:txBody>
-          <a:bodyPr wrap="square" lIns="90000" rtlCol="0">
-            <a:noAutofit/>
-          </a:bodyPr>
-          <a:lstStyle/>
-          <a:p>
-            <a:r>
-              <a:rPr lang="en-US" sz="2000" dirty="0">
-                <a:latin typeface="Arial" panose="020B0604020202020204" pitchFamily="34" charset="0"/>
-                <a:cs typeface="Arial" panose="020B0604020202020204" pitchFamily="34" charset="0"/>
-              </a:rPr>
-              <a:t>Inputs:</a:t>
-            </a:r>
-          </a:p>
-          <a:p>
-            <a:pPr marL="514350" indent="-514350">
-              <a:buAutoNum type="arabicParenR"/>
-            </a:pPr>
-            <a:r>
-              <a:rPr lang="en-US" sz="2000" dirty="0">
-                <a:latin typeface="Arial" panose="020B0604020202020204" pitchFamily="34" charset="0"/>
-                <a:cs typeface="Arial" panose="020B0604020202020204" pitchFamily="34" charset="0"/>
-              </a:rPr>
-              <a:t>the (non-assembled) reads</a:t>
-            </a:r>
-          </a:p>
-          <a:p>
-            <a:pPr marL="514350" indent="-514350">
-              <a:buAutoNum type="arabicParenR"/>
-            </a:pPr>
-            <a:r>
-              <a:rPr lang="en-US" sz="2000" dirty="0">
-                <a:latin typeface="Arial" panose="020B0604020202020204" pitchFamily="34" charset="0"/>
-                <a:cs typeface="Arial" panose="020B0604020202020204" pitchFamily="34" charset="0"/>
-              </a:rPr>
-              <a:t>protein domain models</a:t>
-            </a:r>
-          </a:p>
-          <a:p>
-            <a:pPr marL="511175" lvl="1" indent="-282575">
-              <a:buFont typeface="Arial"/>
-              <a:buChar char="•"/>
-            </a:pPr>
-            <a:r>
-              <a:rPr lang="is-IS" sz="2000" dirty="0">
-                <a:latin typeface="Arial" panose="020B0604020202020204" pitchFamily="34" charset="0"/>
-                <a:cs typeface="Arial" panose="020B0604020202020204" pitchFamily="34" charset="0"/>
-              </a:rPr>
-              <a:t>but...how to connect?</a:t>
-            </a:r>
-          </a:p>
-          <a:p>
-            <a:pPr marL="917575" lvl="2" indent="-406400">
-              <a:buFont typeface="+mj-lt"/>
-              <a:buAutoNum type="romanLcPeriod"/>
-            </a:pPr>
-            <a:r>
-              <a:rPr lang="en-US" sz="2000" dirty="0">
-                <a:latin typeface="Arial" panose="020B0604020202020204" pitchFamily="34" charset="0"/>
-                <a:cs typeface="Arial" panose="020B0604020202020204" pitchFamily="34" charset="0"/>
-              </a:rPr>
-              <a:t>k-</a:t>
-            </a:r>
-            <a:r>
-              <a:rPr lang="en-US" sz="2000" dirty="0" err="1">
-                <a:latin typeface="Arial" panose="020B0604020202020204" pitchFamily="34" charset="0"/>
-                <a:cs typeface="Arial" panose="020B0604020202020204" pitchFamily="34" charset="0"/>
-              </a:rPr>
-              <a:t>mers</a:t>
-            </a:r>
-            <a:r>
-              <a:rPr lang="en-US" sz="2000" dirty="0">
-                <a:latin typeface="Arial" panose="020B0604020202020204" pitchFamily="34" charset="0"/>
-                <a:cs typeface="Arial" panose="020B0604020202020204" pitchFamily="34" charset="0"/>
-              </a:rPr>
-              <a:t> – build our own method?</a:t>
-            </a:r>
-          </a:p>
-          <a:p>
-            <a:pPr marL="917575" lvl="2" indent="-406400">
-              <a:buFont typeface="+mj-lt"/>
-              <a:buAutoNum type="romanLcPeriod"/>
-            </a:pPr>
-            <a:r>
-              <a:rPr lang="en-US" sz="2000" dirty="0">
-                <a:latin typeface="Arial" panose="020B0604020202020204" pitchFamily="34" charset="0"/>
-                <a:cs typeface="Arial" panose="020B0604020202020204" pitchFamily="34" charset="0"/>
-              </a:rPr>
-              <a:t>min-hash, if it would work?</a:t>
-            </a:r>
-          </a:p>
-        </p:txBody>
-      </p:sp>
-      <p:sp>
-        <p:nvSpPr>
           <p:cNvPr id="9" name="TextBox 8">
             <a:extLst>
               <a:ext uri="{FF2B5EF4-FFF2-40B4-BE49-F238E27FC236}">
@@ -3760,49 +3593,6 @@
           <a:xfrm flipH="1">
             <a:off x="3063143" y="2471470"/>
             <a:ext cx="1" cy="695430"/>
-          </a:xfrm>
-          <a:prstGeom prst="straightConnector1">
-            <a:avLst/>
-          </a:prstGeom>
-          <a:ln w="57150">
-            <a:tailEnd type="triangle"/>
-          </a:ln>
-        </p:spPr>
-        <p:style>
-          <a:lnRef idx="1">
-            <a:schemeClr val="accent1"/>
-          </a:lnRef>
-          <a:fillRef idx="0">
-            <a:schemeClr val="accent1"/>
-          </a:fillRef>
-          <a:effectRef idx="0">
-            <a:schemeClr val="accent1"/>
-          </a:effectRef>
-          <a:fontRef idx="minor">
-            <a:schemeClr val="tx1"/>
-          </a:fontRef>
-        </p:style>
-      </p:cxnSp>
-      <p:cxnSp>
-        <p:nvCxnSpPr>
-          <p:cNvPr id="12" name="Straight Arrow Connector 11">
-            <a:extLst>
-              <a:ext uri="{FF2B5EF4-FFF2-40B4-BE49-F238E27FC236}">
-                <a16:creationId xmlns:a16="http://schemas.microsoft.com/office/drawing/2014/main" id="{F471D6FE-4CA5-0D4A-9238-DB7DC40AAEEB}"/>
-              </a:ext>
-            </a:extLst>
-          </p:cNvPr>
-          <p:cNvCxnSpPr>
-            <a:cxnSpLocks/>
-            <a:stCxn id="4" idx="2"/>
-            <a:endCxn id="8" idx="0"/>
-          </p:cNvCxnSpPr>
-          <p:nvPr/>
-        </p:nvCxnSpPr>
-        <p:spPr>
-          <a:xfrm>
-            <a:off x="8409452" y="2471470"/>
-            <a:ext cx="0" cy="695431"/>
           </a:xfrm>
           <a:prstGeom prst="straightConnector1">
             <a:avLst/>
@@ -3858,10 +3648,10 @@
       </p:grpSpPr>
       <p:sp>
         <p:nvSpPr>
-          <p:cNvPr id="4" name="TextBox 3">
-            <a:extLst>
-              <a:ext uri="{FF2B5EF4-FFF2-40B4-BE49-F238E27FC236}">
-                <a16:creationId xmlns:a16="http://schemas.microsoft.com/office/drawing/2014/main" id="{E261A625-E9B5-2747-AEBE-B0CB5F7CB907}"/>
+          <p:cNvPr id="3" name="TextBox 2">
+            <a:extLst>
+              <a:ext uri="{FF2B5EF4-FFF2-40B4-BE49-F238E27FC236}">
+                <a16:creationId xmlns:a16="http://schemas.microsoft.com/office/drawing/2014/main" id="{17C94292-9269-E54B-AB15-9C8D29FFC8F3}"/>
               </a:ext>
             </a:extLst>
           </p:cNvPr>
@@ -3870,8 +3660,8 @@
         </p:nvSpPr>
         <p:spPr>
           <a:xfrm>
-            <a:off x="434340" y="390843"/>
-            <a:ext cx="11311055" cy="646331"/>
+            <a:off x="1044820" y="1640473"/>
+            <a:ext cx="4036648" cy="830997"/>
           </a:xfrm>
           <a:prstGeom prst="rect">
             <a:avLst/>
@@ -3886,59 +3676,405 @@
           <a:p>
             <a:pPr algn="ctr"/>
             <a:r>
+              <a:rPr lang="en-US" sz="2400" dirty="0">
+                <a:latin typeface="Arial" panose="020B0604020202020204" pitchFamily="34" charset="0"/>
+                <a:cs typeface="Arial" panose="020B0604020202020204" pitchFamily="34" charset="0"/>
+              </a:rPr>
+              <a:t>~3k datasets with</a:t>
+            </a:r>
+          </a:p>
+          <a:p>
+            <a:pPr algn="ctr"/>
+            <a:r>
+              <a:rPr lang="en-US" sz="2400" dirty="0">
+                <a:latin typeface="Arial" panose="020B0604020202020204" pitchFamily="34" charset="0"/>
+                <a:cs typeface="Arial" panose="020B0604020202020204" pitchFamily="34" charset="0"/>
+              </a:rPr>
+              <a:t>assembled contigs</a:t>
+            </a:r>
+          </a:p>
+        </p:txBody>
+      </p:sp>
+      <p:sp>
+        <p:nvSpPr>
+          <p:cNvPr id="4" name="TextBox 3">
+            <a:extLst>
+              <a:ext uri="{FF2B5EF4-FFF2-40B4-BE49-F238E27FC236}">
+                <a16:creationId xmlns:a16="http://schemas.microsoft.com/office/drawing/2014/main" id="{0686A34B-654E-444B-94ED-82CB45B78E7A}"/>
+              </a:ext>
+            </a:extLst>
+          </p:cNvPr>
+          <p:cNvSpPr txBox="1"/>
+          <p:nvPr/>
+        </p:nvSpPr>
+        <p:spPr>
+          <a:xfrm>
+            <a:off x="6391128" y="1640473"/>
+            <a:ext cx="4036648" cy="830997"/>
+          </a:xfrm>
+          <a:prstGeom prst="rect">
+            <a:avLst/>
+          </a:prstGeom>
+          <a:noFill/>
+        </p:spPr>
+        <p:txBody>
+          <a:bodyPr wrap="square" rtlCol="0">
+            <a:spAutoFit/>
+          </a:bodyPr>
+          <a:lstStyle/>
+          <a:p>
+            <a:pPr algn="ctr"/>
+            <a:r>
+              <a:rPr lang="en-US" sz="2400" dirty="0">
+                <a:latin typeface="Arial" panose="020B0604020202020204" pitchFamily="34" charset="0"/>
+                <a:cs typeface="Arial" panose="020B0604020202020204" pitchFamily="34" charset="0"/>
+              </a:rPr>
+              <a:t>~100k datasets with</a:t>
+            </a:r>
+          </a:p>
+          <a:p>
+            <a:pPr algn="ctr"/>
+            <a:r>
+              <a:rPr lang="en-US" sz="2400" dirty="0">
+                <a:latin typeface="Arial" panose="020B0604020202020204" pitchFamily="34" charset="0"/>
+                <a:cs typeface="Arial" panose="020B0604020202020204" pitchFamily="34" charset="0"/>
+              </a:rPr>
+              <a:t>non-assembled reads</a:t>
+            </a:r>
+          </a:p>
+        </p:txBody>
+      </p:sp>
+      <p:sp>
+        <p:nvSpPr>
+          <p:cNvPr id="5" name="TextBox 4">
+            <a:extLst>
+              <a:ext uri="{FF2B5EF4-FFF2-40B4-BE49-F238E27FC236}">
+                <a16:creationId xmlns:a16="http://schemas.microsoft.com/office/drawing/2014/main" id="{F6636707-24B6-164E-97E9-7EC4A14B860B}"/>
+              </a:ext>
+            </a:extLst>
+          </p:cNvPr>
+          <p:cNvSpPr txBox="1"/>
+          <p:nvPr/>
+        </p:nvSpPr>
+        <p:spPr>
+          <a:xfrm>
+            <a:off x="1044819" y="3166900"/>
+            <a:ext cx="4036648" cy="3039589"/>
+          </a:xfrm>
+          <a:prstGeom prst="rect">
+            <a:avLst/>
+          </a:prstGeom>
+          <a:solidFill>
+            <a:schemeClr val="bg1">
+              <a:lumMod val="95000"/>
+            </a:schemeClr>
+          </a:solidFill>
+        </p:spPr>
+        <p:txBody>
+          <a:bodyPr wrap="square" lIns="90000" rtlCol="0">
+            <a:noAutofit/>
+          </a:bodyPr>
+          <a:lstStyle/>
+          <a:p>
+            <a:r>
+              <a:rPr lang="en-US" sz="2000" dirty="0">
+                <a:latin typeface="Arial" panose="020B0604020202020204" pitchFamily="34" charset="0"/>
+                <a:cs typeface="Arial" panose="020B0604020202020204" pitchFamily="34" charset="0"/>
+              </a:rPr>
+              <a:t>Inputs:</a:t>
+            </a:r>
+          </a:p>
+          <a:p>
+            <a:pPr marL="514350" indent="-514350">
+              <a:buAutoNum type="arabicParenR"/>
+            </a:pPr>
+            <a:r>
+              <a:rPr lang="en-US" sz="2000" dirty="0">
+                <a:latin typeface="Arial" panose="020B0604020202020204" pitchFamily="34" charset="0"/>
+                <a:cs typeface="Arial" panose="020B0604020202020204" pitchFamily="34" charset="0"/>
+              </a:rPr>
+              <a:t>the (assembled) </a:t>
+            </a:r>
+            <a:r>
+              <a:rPr lang="en-US" sz="2000" dirty="0" err="1">
+                <a:latin typeface="Arial" panose="020B0604020202020204" pitchFamily="34" charset="0"/>
+                <a:cs typeface="Arial" panose="020B0604020202020204" pitchFamily="34" charset="0"/>
+              </a:rPr>
+              <a:t>contigs</a:t>
+            </a:r>
+            <a:endParaRPr lang="en-US" sz="2000" dirty="0">
+              <a:latin typeface="Arial" panose="020B0604020202020204" pitchFamily="34" charset="0"/>
+              <a:cs typeface="Arial" panose="020B0604020202020204" pitchFamily="34" charset="0"/>
+            </a:endParaRPr>
+          </a:p>
+          <a:p>
+            <a:pPr marL="514350" indent="-514350">
+              <a:buAutoNum type="arabicParenR"/>
+            </a:pPr>
+            <a:r>
+              <a:rPr lang="en-US" sz="2000" dirty="0">
+                <a:latin typeface="Arial" panose="020B0604020202020204" pitchFamily="34" charset="0"/>
+                <a:cs typeface="Arial" panose="020B0604020202020204" pitchFamily="34" charset="0"/>
+              </a:rPr>
+              <a:t>protein domain models</a:t>
+            </a:r>
+          </a:p>
+          <a:p>
+            <a:pPr marL="520700" lvl="1" indent="-292100"/>
+            <a:r>
+              <a:rPr lang="en-US" sz="2000" dirty="0">
+                <a:solidFill>
+                  <a:srgbClr val="C00000"/>
+                </a:solidFill>
+                <a:latin typeface="Arial" panose="020B0604020202020204" pitchFamily="34" charset="0"/>
+                <a:ea typeface="Zapf Dingbats"/>
+                <a:cs typeface="Arial" panose="020B0604020202020204" pitchFamily="34" charset="0"/>
+                <a:sym typeface="Zapf Dingbats"/>
+              </a:rPr>
+              <a:t>✘</a:t>
+            </a:r>
+            <a:r>
+              <a:rPr lang="en-US" sz="2000" dirty="0">
+                <a:latin typeface="Arial" panose="020B0604020202020204" pitchFamily="34" charset="0"/>
+                <a:ea typeface="Zapf Dingbats"/>
+                <a:cs typeface="Arial" panose="020B0604020202020204" pitchFamily="34" charset="0"/>
+                <a:sym typeface="Zapf Dingbats"/>
+              </a:rPr>
+              <a:t>	</a:t>
+            </a:r>
+            <a:r>
+              <a:rPr lang="en-US" sz="2000" dirty="0">
+                <a:latin typeface="Arial" panose="020B0604020202020204" pitchFamily="34" charset="0"/>
+                <a:cs typeface="Arial" panose="020B0604020202020204" pitchFamily="34" charset="0"/>
+              </a:rPr>
+              <a:t>~300k CDD, no PFAM, POGs, etc. to avoid later work in filtering overlapping hits</a:t>
+            </a:r>
+          </a:p>
+          <a:p>
+            <a:pPr marL="520700" lvl="1" indent="-292100"/>
+            <a:r>
+              <a:rPr lang="en-US" sz="2000">
+                <a:solidFill>
+                  <a:srgbClr val="00B050"/>
+                </a:solidFill>
+                <a:latin typeface="Arial" panose="020B0604020202020204" pitchFamily="34" charset="0"/>
+                <a:ea typeface="Zapf Dingbats"/>
+                <a:cs typeface="Arial" panose="020B0604020202020204" pitchFamily="34" charset="0"/>
+                <a:sym typeface="Zapf Dingbats"/>
+              </a:rPr>
+              <a:t>✓ </a:t>
+            </a:r>
+            <a:r>
+              <a:rPr lang="en-US" sz="2000">
+                <a:latin typeface="Arial" panose="020B0604020202020204" pitchFamily="34" charset="0"/>
+                <a:cs typeface="Arial" panose="020B0604020202020204" pitchFamily="34" charset="0"/>
+              </a:rPr>
+              <a:t>~</a:t>
+            </a:r>
+            <a:r>
+              <a:rPr lang="en-US" sz="2000" dirty="0">
+                <a:latin typeface="Arial" panose="020B0604020202020204" pitchFamily="34" charset="0"/>
+                <a:cs typeface="Arial" panose="020B0604020202020204" pitchFamily="34" charset="0"/>
+              </a:rPr>
+              <a:t>2k “viral”-enriched set from Rodney</a:t>
+            </a:r>
+          </a:p>
+        </p:txBody>
+      </p:sp>
+      <p:sp>
+        <p:nvSpPr>
+          <p:cNvPr id="8" name="TextBox 7">
+            <a:extLst>
+              <a:ext uri="{FF2B5EF4-FFF2-40B4-BE49-F238E27FC236}">
+                <a16:creationId xmlns:a16="http://schemas.microsoft.com/office/drawing/2014/main" id="{1284D624-8205-4C43-9ADC-CE50606A4A76}"/>
+              </a:ext>
+            </a:extLst>
+          </p:cNvPr>
+          <p:cNvSpPr txBox="1"/>
+          <p:nvPr/>
+        </p:nvSpPr>
+        <p:spPr>
+          <a:xfrm>
+            <a:off x="6391128" y="3166901"/>
+            <a:ext cx="4036648" cy="3039588"/>
+          </a:xfrm>
+          <a:prstGeom prst="rect">
+            <a:avLst/>
+          </a:prstGeom>
+          <a:solidFill>
+            <a:schemeClr val="bg1">
+              <a:lumMod val="95000"/>
+            </a:schemeClr>
+          </a:solidFill>
+        </p:spPr>
+        <p:txBody>
+          <a:bodyPr wrap="square" lIns="90000" rtlCol="0">
+            <a:noAutofit/>
+          </a:bodyPr>
+          <a:lstStyle/>
+          <a:p>
+            <a:r>
+              <a:rPr lang="en-US" sz="2000" dirty="0">
+                <a:latin typeface="Arial" panose="020B0604020202020204" pitchFamily="34" charset="0"/>
+                <a:cs typeface="Arial" panose="020B0604020202020204" pitchFamily="34" charset="0"/>
+              </a:rPr>
+              <a:t>Inputs:</a:t>
+            </a:r>
+          </a:p>
+          <a:p>
+            <a:pPr marL="514350" indent="-514350">
+              <a:buAutoNum type="arabicParenR"/>
+            </a:pPr>
+            <a:r>
+              <a:rPr lang="en-US" sz="2000" dirty="0">
+                <a:latin typeface="Arial" panose="020B0604020202020204" pitchFamily="34" charset="0"/>
+                <a:cs typeface="Arial" panose="020B0604020202020204" pitchFamily="34" charset="0"/>
+              </a:rPr>
+              <a:t>the (non-assembled) reads</a:t>
+            </a:r>
+          </a:p>
+          <a:p>
+            <a:pPr marL="514350" indent="-514350">
+              <a:buAutoNum type="arabicParenR"/>
+            </a:pPr>
+            <a:r>
+              <a:rPr lang="en-US" sz="2000" dirty="0">
+                <a:latin typeface="Arial" panose="020B0604020202020204" pitchFamily="34" charset="0"/>
+                <a:cs typeface="Arial" panose="020B0604020202020204" pitchFamily="34" charset="0"/>
+              </a:rPr>
+              <a:t>protein domain models</a:t>
+            </a:r>
+          </a:p>
+          <a:p>
+            <a:pPr marL="511175" lvl="1" indent="-282575">
+              <a:buFont typeface="Arial"/>
+              <a:buChar char="•"/>
+            </a:pPr>
+            <a:r>
+              <a:rPr lang="is-IS" sz="2000" dirty="0">
+                <a:latin typeface="Arial" panose="020B0604020202020204" pitchFamily="34" charset="0"/>
+                <a:cs typeface="Arial" panose="020B0604020202020204" pitchFamily="34" charset="0"/>
+              </a:rPr>
+              <a:t>but...how to connect?</a:t>
+            </a:r>
+          </a:p>
+          <a:p>
+            <a:pPr marL="917575" lvl="2" indent="-406400">
+              <a:buFont typeface="+mj-lt"/>
+              <a:buAutoNum type="romanLcPeriod"/>
+            </a:pPr>
+            <a:r>
+              <a:rPr lang="en-US" sz="2000" dirty="0">
+                <a:latin typeface="Arial" panose="020B0604020202020204" pitchFamily="34" charset="0"/>
+                <a:cs typeface="Arial" panose="020B0604020202020204" pitchFamily="34" charset="0"/>
+              </a:rPr>
+              <a:t>k-</a:t>
+            </a:r>
+            <a:r>
+              <a:rPr lang="en-US" sz="2000" dirty="0" err="1">
+                <a:latin typeface="Arial" panose="020B0604020202020204" pitchFamily="34" charset="0"/>
+                <a:cs typeface="Arial" panose="020B0604020202020204" pitchFamily="34" charset="0"/>
+              </a:rPr>
+              <a:t>mers</a:t>
+            </a:r>
+            <a:r>
+              <a:rPr lang="en-US" sz="2000" dirty="0">
+                <a:latin typeface="Arial" panose="020B0604020202020204" pitchFamily="34" charset="0"/>
+                <a:cs typeface="Arial" panose="020B0604020202020204" pitchFamily="34" charset="0"/>
+              </a:rPr>
+              <a:t> – build our own method?</a:t>
+            </a:r>
+          </a:p>
+          <a:p>
+            <a:pPr marL="917575" lvl="2" indent="-406400">
+              <a:buFont typeface="+mj-lt"/>
+              <a:buAutoNum type="romanLcPeriod"/>
+            </a:pPr>
+            <a:r>
+              <a:rPr lang="en-US" sz="2000" dirty="0">
+                <a:latin typeface="Arial" panose="020B0604020202020204" pitchFamily="34" charset="0"/>
+                <a:cs typeface="Arial" panose="020B0604020202020204" pitchFamily="34" charset="0"/>
+              </a:rPr>
+              <a:t>min-hash, if it would work?</a:t>
+            </a:r>
+          </a:p>
+        </p:txBody>
+      </p:sp>
+      <p:sp>
+        <p:nvSpPr>
+          <p:cNvPr id="9" name="TextBox 8">
+            <a:extLst>
+              <a:ext uri="{FF2B5EF4-FFF2-40B4-BE49-F238E27FC236}">
+                <a16:creationId xmlns:a16="http://schemas.microsoft.com/office/drawing/2014/main" id="{E07F78B9-1ED7-A249-A02B-94CE036F347F}"/>
+              </a:ext>
+            </a:extLst>
+          </p:cNvPr>
+          <p:cNvSpPr txBox="1"/>
+          <p:nvPr/>
+        </p:nvSpPr>
+        <p:spPr>
+          <a:xfrm>
+            <a:off x="1764224" y="390843"/>
+            <a:ext cx="8663552" cy="646331"/>
+          </a:xfrm>
+          <a:prstGeom prst="rect">
+            <a:avLst/>
+          </a:prstGeom>
+          <a:noFill/>
+        </p:spPr>
+        <p:txBody>
+          <a:bodyPr wrap="square" rtlCol="0">
+            <a:spAutoFit/>
+          </a:bodyPr>
+          <a:lstStyle/>
+          <a:p>
+            <a:pPr algn="ctr"/>
+            <a:r>
               <a:rPr lang="en-US" sz="3600" b="1" i="1" dirty="0">
                 <a:latin typeface="Arial" panose="020B0604020202020204" pitchFamily="34" charset="0"/>
                 <a:cs typeface="Arial" panose="020B0604020202020204" pitchFamily="34" charset="0"/>
               </a:rPr>
-              <a:t>Using HMMER to scan translated raw reads</a:t>
+              <a:t>Protein domains search pipeline</a:t>
             </a:r>
           </a:p>
         </p:txBody>
       </p:sp>
       <p:cxnSp>
         <p:nvCxnSpPr>
-          <p:cNvPr id="8" name="Straight Arrow Connector 24">
-            <a:extLst>
-              <a:ext uri="{FF2B5EF4-FFF2-40B4-BE49-F238E27FC236}">
-                <a16:creationId xmlns:a16="http://schemas.microsoft.com/office/drawing/2014/main" id="{CFB9478A-2FFB-534D-AE98-1573BCAB1A87}"/>
+          <p:cNvPr id="11" name="Straight Arrow Connector 10">
+            <a:extLst>
+              <a:ext uri="{FF2B5EF4-FFF2-40B4-BE49-F238E27FC236}">
+                <a16:creationId xmlns:a16="http://schemas.microsoft.com/office/drawing/2014/main" id="{0482EC36-131B-C742-A57B-122ABBE25E38}"/>
               </a:ext>
             </a:extLst>
           </p:cNvPr>
           <p:cNvCxnSpPr>
-            <a:cxnSpLocks/>
-            <a:stCxn id="15" idx="3"/>
-            <a:endCxn id="22" idx="1"/>
+            <a:stCxn id="3" idx="2"/>
+            <a:endCxn id="5" idx="0"/>
           </p:cNvCxnSpPr>
           <p:nvPr/>
         </p:nvCxnSpPr>
         <p:spPr>
-          <a:xfrm>
-            <a:off x="3406860" y="2162941"/>
-            <a:ext cx="2051607" cy="1266059"/>
+          <a:xfrm flipH="1">
+            <a:off x="3063143" y="2471470"/>
+            <a:ext cx="1" cy="695430"/>
           </a:xfrm>
-          <a:prstGeom prst="bentConnector3">
-            <a:avLst>
-              <a:gd name="adj1" fmla="val 50000"/>
-            </a:avLst>
+          <a:prstGeom prst="straightConnector1">
+            <a:avLst/>
           </a:prstGeom>
-          <a:ln w="6350" cmpd="sng">
-            <a:solidFill>
-              <a:srgbClr val="000000"/>
-            </a:solidFill>
-            <a:headEnd type="none"/>
+          <a:ln w="57150">
             <a:tailEnd type="triangle"/>
           </a:ln>
-          <a:effectLst/>
         </p:spPr>
         <p:style>
-          <a:lnRef idx="2">
-            <a:schemeClr val="dk1"/>
+          <a:lnRef idx="1">
+            <a:schemeClr val="accent1"/>
           </a:lnRef>
           <a:fillRef idx="0">
-            <a:schemeClr val="dk1"/>
+            <a:schemeClr val="accent1"/>
           </a:fillRef>
-          <a:effectRef idx="1">
-            <a:schemeClr val="dk1"/>
+          <a:effectRef idx="0">
+            <a:schemeClr val="accent1"/>
           </a:effectRef>
           <a:fontRef idx="minor">
             <a:schemeClr val="tx1"/>
@@ -3947,748 +4083,700 @@
       </p:cxnSp>
       <p:cxnSp>
         <p:nvCxnSpPr>
-          <p:cNvPr id="25" name="Straight Arrow Connector 24">
-            <a:extLst>
-              <a:ext uri="{FF2B5EF4-FFF2-40B4-BE49-F238E27FC236}">
-                <a16:creationId xmlns:a16="http://schemas.microsoft.com/office/drawing/2014/main" id="{FCBBB147-554B-BD44-ACDF-1D0E1BB2BCFB}"/>
+          <p:cNvPr id="12" name="Straight Arrow Connector 11">
+            <a:extLst>
+              <a:ext uri="{FF2B5EF4-FFF2-40B4-BE49-F238E27FC236}">
+                <a16:creationId xmlns:a16="http://schemas.microsoft.com/office/drawing/2014/main" id="{F471D6FE-4CA5-0D4A-9238-DB7DC40AAEEB}"/>
               </a:ext>
             </a:extLst>
           </p:cNvPr>
           <p:cNvCxnSpPr>
             <a:cxnSpLocks/>
-            <a:stCxn id="6" idx="3"/>
-            <a:endCxn id="22" idx="1"/>
+            <a:stCxn id="4" idx="2"/>
+            <a:endCxn id="8" idx="0"/>
           </p:cNvCxnSpPr>
           <p:nvPr/>
         </p:nvCxnSpPr>
         <p:spPr>
-          <a:xfrm flipV="1">
-            <a:off x="3405941" y="3429000"/>
-            <a:ext cx="2052526" cy="1145769"/>
+          <a:xfrm>
+            <a:off x="8409452" y="2471470"/>
+            <a:ext cx="0" cy="695431"/>
           </a:xfrm>
-          <a:prstGeom prst="bentConnector3">
-            <a:avLst>
-              <a:gd name="adj1" fmla="val 50000"/>
-            </a:avLst>
+          <a:prstGeom prst="straightConnector1">
+            <a:avLst/>
           </a:prstGeom>
-          <a:ln w="6350" cmpd="sng">
-            <a:solidFill>
-              <a:srgbClr val="000000"/>
-            </a:solidFill>
-            <a:headEnd type="none"/>
+          <a:ln w="57150">
             <a:tailEnd type="triangle"/>
           </a:ln>
-          <a:effectLst/>
         </p:spPr>
         <p:style>
-          <a:lnRef idx="2">
-            <a:schemeClr val="dk1"/>
+          <a:lnRef idx="1">
+            <a:schemeClr val="accent1"/>
           </a:lnRef>
           <a:fillRef idx="0">
-            <a:schemeClr val="dk1"/>
+            <a:schemeClr val="accent1"/>
           </a:fillRef>
-          <a:effectRef idx="1">
-            <a:schemeClr val="dk1"/>
+          <a:effectRef idx="0">
+            <a:schemeClr val="accent1"/>
           </a:effectRef>
           <a:fontRef idx="minor">
             <a:schemeClr val="tx1"/>
           </a:fontRef>
         </p:style>
       </p:cxnSp>
+      <p:sp>
+        <p:nvSpPr>
+          <p:cNvPr id="2" name="Rectangle 1">
+            <a:extLst>
+              <a:ext uri="{FF2B5EF4-FFF2-40B4-BE49-F238E27FC236}">
+                <a16:creationId xmlns:a16="http://schemas.microsoft.com/office/drawing/2014/main" id="{046D36C2-D900-7E48-9F7F-81558747E734}"/>
+              </a:ext>
+            </a:extLst>
+          </p:cNvPr>
+          <p:cNvSpPr/>
+          <p:nvPr/>
+        </p:nvSpPr>
+        <p:spPr>
+          <a:xfrm>
+            <a:off x="5987143" y="1534886"/>
+            <a:ext cx="4789714" cy="4909457"/>
+          </a:xfrm>
+          <a:prstGeom prst="rect">
+            <a:avLst/>
+          </a:prstGeom>
+          <a:noFill/>
+          <a:ln>
+            <a:solidFill>
+              <a:srgbClr val="FF0000"/>
+            </a:solidFill>
+          </a:ln>
+        </p:spPr>
+        <p:style>
+          <a:lnRef idx="2">
+            <a:schemeClr val="accent1">
+              <a:shade val="50000"/>
+            </a:schemeClr>
+          </a:lnRef>
+          <a:fillRef idx="1">
+            <a:schemeClr val="accent1"/>
+          </a:fillRef>
+          <a:effectRef idx="0">
+            <a:schemeClr val="accent1"/>
+          </a:effectRef>
+          <a:fontRef idx="minor">
+            <a:schemeClr val="lt1"/>
+          </a:fontRef>
+        </p:style>
+        <p:txBody>
+          <a:bodyPr rtlCol="0" anchor="ctr"/>
+          <a:lstStyle/>
+          <a:p>
+            <a:pPr algn="ctr"/>
+            <a:endParaRPr lang="en-US"/>
+          </a:p>
+        </p:txBody>
+      </p:sp>
+      <p:sp>
+        <p:nvSpPr>
+          <p:cNvPr id="6" name="Rectangle 5">
+            <a:extLst>
+              <a:ext uri="{FF2B5EF4-FFF2-40B4-BE49-F238E27FC236}">
+                <a16:creationId xmlns:a16="http://schemas.microsoft.com/office/drawing/2014/main" id="{A89601A3-ED10-CC47-9E0B-84745338F520}"/>
+              </a:ext>
+            </a:extLst>
+          </p:cNvPr>
+          <p:cNvSpPr/>
+          <p:nvPr/>
+        </p:nvSpPr>
+        <p:spPr>
+          <a:xfrm>
+            <a:off x="6868886" y="4996543"/>
+            <a:ext cx="2852057" cy="1001486"/>
+          </a:xfrm>
+          <a:prstGeom prst="rect">
+            <a:avLst/>
+          </a:prstGeom>
+          <a:noFill/>
+          <a:ln>
+            <a:solidFill>
+              <a:srgbClr val="FF0000"/>
+            </a:solidFill>
+          </a:ln>
+        </p:spPr>
+        <p:style>
+          <a:lnRef idx="2">
+            <a:schemeClr val="accent1">
+              <a:shade val="50000"/>
+            </a:schemeClr>
+          </a:lnRef>
+          <a:fillRef idx="1">
+            <a:schemeClr val="accent1"/>
+          </a:fillRef>
+          <a:effectRef idx="0">
+            <a:schemeClr val="accent1"/>
+          </a:effectRef>
+          <a:fontRef idx="minor">
+            <a:schemeClr val="lt1"/>
+          </a:fontRef>
+        </p:style>
+        <p:txBody>
+          <a:bodyPr rtlCol="0" anchor="ctr"/>
+          <a:lstStyle/>
+          <a:p>
+            <a:pPr algn="ctr"/>
+            <a:endParaRPr lang="en-US"/>
+          </a:p>
+        </p:txBody>
+      </p:sp>
+      <p:sp>
+        <p:nvSpPr>
+          <p:cNvPr id="7" name="TextBox 6">
+            <a:extLst>
+              <a:ext uri="{FF2B5EF4-FFF2-40B4-BE49-F238E27FC236}">
+                <a16:creationId xmlns:a16="http://schemas.microsoft.com/office/drawing/2014/main" id="{E693487A-2391-8042-8C71-50B9A95A73F9}"/>
+              </a:ext>
+            </a:extLst>
+          </p:cNvPr>
+          <p:cNvSpPr txBox="1"/>
+          <p:nvPr/>
+        </p:nvSpPr>
+        <p:spPr>
+          <a:xfrm>
+            <a:off x="1764224" y="6259677"/>
+            <a:ext cx="2082621" cy="369332"/>
+          </a:xfrm>
+          <a:prstGeom prst="rect">
+            <a:avLst/>
+          </a:prstGeom>
+          <a:noFill/>
+        </p:spPr>
+        <p:txBody>
+          <a:bodyPr wrap="none" rtlCol="0">
+            <a:spAutoFit/>
+          </a:bodyPr>
+          <a:lstStyle/>
+          <a:p>
+            <a:r>
+              <a:rPr lang="en-US" dirty="0"/>
+              <a:t>?Dataset clustering?</a:t>
+            </a:r>
+          </a:p>
+        </p:txBody>
+      </p:sp>
+    </p:spTree>
+    <p:extLst>
+      <p:ext uri="{BB962C8B-B14F-4D97-AF65-F5344CB8AC3E}">
+        <p14:creationId xmlns:p14="http://schemas.microsoft.com/office/powerpoint/2010/main" val="2242541362"/>
+      </p:ext>
+    </p:extLst>
+  </p:cSld>
+  <p:clrMapOvr>
+    <a:masterClrMapping/>
+  </p:clrMapOvr>
+</p:sld>
+</file>
+
+<file path=ppt/slides/slide3.xml><?xml version="1.0" encoding="utf-8"?>
+<p:sld xmlns:a="http://schemas.openxmlformats.org/drawingml/2006/main" xmlns:r="http://schemas.openxmlformats.org/officeDocument/2006/relationships" xmlns:p="http://schemas.openxmlformats.org/presentationml/2006/main">
+  <p:cSld>
+    <p:spTree>
+      <p:nvGrpSpPr>
+        <p:cNvPr id="1" name=""/>
+        <p:cNvGrpSpPr/>
+        <p:nvPr/>
+      </p:nvGrpSpPr>
+      <p:grpSpPr>
+        <a:xfrm>
+          <a:off x="0" y="0"/>
+          <a:ext cx="0" cy="0"/>
+          <a:chOff x="0" y="0"/>
+          <a:chExt cx="0" cy="0"/>
+        </a:xfrm>
+      </p:grpSpPr>
+      <p:sp>
+        <p:nvSpPr>
+          <p:cNvPr id="4" name="TextBox 3">
+            <a:extLst>
+              <a:ext uri="{FF2B5EF4-FFF2-40B4-BE49-F238E27FC236}">
+                <a16:creationId xmlns:a16="http://schemas.microsoft.com/office/drawing/2014/main" id="{0686A34B-654E-444B-94ED-82CB45B78E7A}"/>
+              </a:ext>
+            </a:extLst>
+          </p:cNvPr>
+          <p:cNvSpPr txBox="1"/>
+          <p:nvPr/>
+        </p:nvSpPr>
+        <p:spPr>
+          <a:xfrm>
+            <a:off x="665242" y="1520730"/>
+            <a:ext cx="4036648" cy="830997"/>
+          </a:xfrm>
+          <a:prstGeom prst="rect">
+            <a:avLst/>
+          </a:prstGeom>
+          <a:noFill/>
+        </p:spPr>
+        <p:txBody>
+          <a:bodyPr wrap="square" rtlCol="0">
+            <a:spAutoFit/>
+          </a:bodyPr>
+          <a:lstStyle/>
+          <a:p>
+            <a:pPr algn="ctr"/>
+            <a:r>
+              <a:rPr lang="en-US" sz="2400" dirty="0">
+                <a:latin typeface="Arial" panose="020B0604020202020204" pitchFamily="34" charset="0"/>
+                <a:cs typeface="Arial" panose="020B0604020202020204" pitchFamily="34" charset="0"/>
+              </a:rPr>
+              <a:t>~100k datasets with</a:t>
+            </a:r>
+          </a:p>
+          <a:p>
+            <a:pPr algn="ctr"/>
+            <a:r>
+              <a:rPr lang="en-US" sz="2400" dirty="0">
+                <a:latin typeface="Arial" panose="020B0604020202020204" pitchFamily="34" charset="0"/>
+                <a:cs typeface="Arial" panose="020B0604020202020204" pitchFamily="34" charset="0"/>
+              </a:rPr>
+              <a:t>non-assembled reads</a:t>
+            </a:r>
+          </a:p>
+        </p:txBody>
+      </p:sp>
+      <p:sp>
+        <p:nvSpPr>
+          <p:cNvPr id="8" name="TextBox 7">
+            <a:extLst>
+              <a:ext uri="{FF2B5EF4-FFF2-40B4-BE49-F238E27FC236}">
+                <a16:creationId xmlns:a16="http://schemas.microsoft.com/office/drawing/2014/main" id="{1284D624-8205-4C43-9ADC-CE50606A4A76}"/>
+              </a:ext>
+            </a:extLst>
+          </p:cNvPr>
+          <p:cNvSpPr txBox="1"/>
+          <p:nvPr/>
+        </p:nvSpPr>
+        <p:spPr>
+          <a:xfrm>
+            <a:off x="665242" y="3047158"/>
+            <a:ext cx="4036648" cy="3039588"/>
+          </a:xfrm>
+          <a:prstGeom prst="rect">
+            <a:avLst/>
+          </a:prstGeom>
+          <a:solidFill>
+            <a:schemeClr val="bg1">
+              <a:lumMod val="95000"/>
+            </a:schemeClr>
+          </a:solidFill>
+        </p:spPr>
+        <p:txBody>
+          <a:bodyPr wrap="square" lIns="90000" rtlCol="0">
+            <a:noAutofit/>
+          </a:bodyPr>
+          <a:lstStyle/>
+          <a:p>
+            <a:r>
+              <a:rPr lang="en-US" sz="2000" dirty="0">
+                <a:latin typeface="Arial" panose="020B0604020202020204" pitchFamily="34" charset="0"/>
+                <a:cs typeface="Arial" panose="020B0604020202020204" pitchFamily="34" charset="0"/>
+              </a:rPr>
+              <a:t>Inputs:</a:t>
+            </a:r>
+          </a:p>
+          <a:p>
+            <a:pPr marL="514350" indent="-514350">
+              <a:buAutoNum type="arabicParenR"/>
+            </a:pPr>
+            <a:r>
+              <a:rPr lang="en-US" sz="2000" dirty="0">
+                <a:latin typeface="Arial" panose="020B0604020202020204" pitchFamily="34" charset="0"/>
+                <a:cs typeface="Arial" panose="020B0604020202020204" pitchFamily="34" charset="0"/>
+              </a:rPr>
+              <a:t>the (non-assembled) reads</a:t>
+            </a:r>
+          </a:p>
+          <a:p>
+            <a:pPr marL="514350" indent="-514350">
+              <a:buAutoNum type="arabicParenR"/>
+            </a:pPr>
+            <a:r>
+              <a:rPr lang="en-US" sz="2000" dirty="0">
+                <a:latin typeface="Arial" panose="020B0604020202020204" pitchFamily="34" charset="0"/>
+                <a:cs typeface="Arial" panose="020B0604020202020204" pitchFamily="34" charset="0"/>
+              </a:rPr>
+              <a:t>protein domain models</a:t>
+            </a:r>
+          </a:p>
+          <a:p>
+            <a:pPr marL="511175" lvl="1" indent="-282575">
+              <a:buFont typeface="Arial"/>
+              <a:buChar char="•"/>
+            </a:pPr>
+            <a:r>
+              <a:rPr lang="is-IS" sz="2000" dirty="0">
+                <a:latin typeface="Arial" panose="020B0604020202020204" pitchFamily="34" charset="0"/>
+                <a:cs typeface="Arial" panose="020B0604020202020204" pitchFamily="34" charset="0"/>
+              </a:rPr>
+              <a:t>but...how to connect?</a:t>
+            </a:r>
+          </a:p>
+          <a:p>
+            <a:pPr marL="917575" lvl="2" indent="-406400">
+              <a:buFont typeface="+mj-lt"/>
+              <a:buAutoNum type="romanLcPeriod"/>
+            </a:pPr>
+            <a:r>
+              <a:rPr lang="en-US" sz="2000" dirty="0">
+                <a:latin typeface="Arial" panose="020B0604020202020204" pitchFamily="34" charset="0"/>
+                <a:cs typeface="Arial" panose="020B0604020202020204" pitchFamily="34" charset="0"/>
+              </a:rPr>
+              <a:t>k-</a:t>
+            </a:r>
+            <a:r>
+              <a:rPr lang="en-US" sz="2000" dirty="0" err="1">
+                <a:latin typeface="Arial" panose="020B0604020202020204" pitchFamily="34" charset="0"/>
+                <a:cs typeface="Arial" panose="020B0604020202020204" pitchFamily="34" charset="0"/>
+              </a:rPr>
+              <a:t>mers</a:t>
+            </a:r>
+            <a:r>
+              <a:rPr lang="en-US" sz="2000" dirty="0">
+                <a:latin typeface="Arial" panose="020B0604020202020204" pitchFamily="34" charset="0"/>
+                <a:cs typeface="Arial" panose="020B0604020202020204" pitchFamily="34" charset="0"/>
+              </a:rPr>
+              <a:t> – build our own method?</a:t>
+            </a:r>
+          </a:p>
+          <a:p>
+            <a:pPr marL="917575" lvl="2" indent="-406400">
+              <a:buFont typeface="+mj-lt"/>
+              <a:buAutoNum type="romanLcPeriod"/>
+            </a:pPr>
+            <a:r>
+              <a:rPr lang="en-US" sz="2000" dirty="0">
+                <a:latin typeface="Arial" panose="020B0604020202020204" pitchFamily="34" charset="0"/>
+                <a:cs typeface="Arial" panose="020B0604020202020204" pitchFamily="34" charset="0"/>
+              </a:rPr>
+              <a:t>min-hash, if it would work?</a:t>
+            </a:r>
+          </a:p>
+        </p:txBody>
+      </p:sp>
+      <p:sp>
+        <p:nvSpPr>
+          <p:cNvPr id="9" name="TextBox 8">
+            <a:extLst>
+              <a:ext uri="{FF2B5EF4-FFF2-40B4-BE49-F238E27FC236}">
+                <a16:creationId xmlns:a16="http://schemas.microsoft.com/office/drawing/2014/main" id="{E07F78B9-1ED7-A249-A02B-94CE036F347F}"/>
+              </a:ext>
+            </a:extLst>
+          </p:cNvPr>
+          <p:cNvSpPr txBox="1"/>
+          <p:nvPr/>
+        </p:nvSpPr>
+        <p:spPr>
+          <a:xfrm>
+            <a:off x="1764224" y="390843"/>
+            <a:ext cx="8663552" cy="646331"/>
+          </a:xfrm>
+          <a:prstGeom prst="rect">
+            <a:avLst/>
+          </a:prstGeom>
+          <a:noFill/>
+        </p:spPr>
+        <p:txBody>
+          <a:bodyPr wrap="square" rtlCol="0">
+            <a:spAutoFit/>
+          </a:bodyPr>
+          <a:lstStyle/>
+          <a:p>
+            <a:pPr algn="ctr"/>
+            <a:r>
+              <a:rPr lang="en-US" sz="3600" b="1" i="1" dirty="0">
+                <a:latin typeface="Arial" panose="020B0604020202020204" pitchFamily="34" charset="0"/>
+                <a:cs typeface="Arial" panose="020B0604020202020204" pitchFamily="34" charset="0"/>
+              </a:rPr>
+              <a:t>Protein domains search pipeline</a:t>
+            </a:r>
+          </a:p>
+        </p:txBody>
+      </p:sp>
       <p:cxnSp>
         <p:nvCxnSpPr>
-          <p:cNvPr id="28" name="Straight Arrow Connector 24">
-            <a:extLst>
-              <a:ext uri="{FF2B5EF4-FFF2-40B4-BE49-F238E27FC236}">
-                <a16:creationId xmlns:a16="http://schemas.microsoft.com/office/drawing/2014/main" id="{83120C6A-FEE6-3641-ADB8-8A6162331852}"/>
+          <p:cNvPr id="12" name="Straight Arrow Connector 11">
+            <a:extLst>
+              <a:ext uri="{FF2B5EF4-FFF2-40B4-BE49-F238E27FC236}">
+                <a16:creationId xmlns:a16="http://schemas.microsoft.com/office/drawing/2014/main" id="{F471D6FE-4CA5-0D4A-9238-DB7DC40AAEEB}"/>
               </a:ext>
             </a:extLst>
           </p:cNvPr>
           <p:cNvCxnSpPr>
             <a:cxnSpLocks/>
-            <a:stCxn id="22" idx="3"/>
-            <a:endCxn id="16" idx="1"/>
+            <a:stCxn id="4" idx="2"/>
+            <a:endCxn id="8" idx="0"/>
           </p:cNvCxnSpPr>
           <p:nvPr/>
         </p:nvCxnSpPr>
         <p:spPr>
-          <a:xfrm flipV="1">
-            <a:off x="7383827" y="3427972"/>
-            <a:ext cx="1486062" cy="1028"/>
+          <a:xfrm>
+            <a:off x="2683566" y="2351727"/>
+            <a:ext cx="0" cy="695431"/>
           </a:xfrm>
-          <a:prstGeom prst="bentConnector3">
-            <a:avLst>
-              <a:gd name="adj1" fmla="val 50000"/>
-            </a:avLst>
+          <a:prstGeom prst="straightConnector1">
+            <a:avLst/>
           </a:prstGeom>
-          <a:ln w="6350" cmpd="sng">
-            <a:solidFill>
-              <a:srgbClr val="000000"/>
-            </a:solidFill>
-            <a:headEnd type="none"/>
+          <a:ln w="57150">
             <a:tailEnd type="triangle"/>
           </a:ln>
-          <a:effectLst/>
         </p:spPr>
         <p:style>
-          <a:lnRef idx="2">
-            <a:schemeClr val="dk1"/>
+          <a:lnRef idx="1">
+            <a:schemeClr val="accent1"/>
           </a:lnRef>
           <a:fillRef idx="0">
-            <a:schemeClr val="dk1"/>
+            <a:schemeClr val="accent1"/>
           </a:fillRef>
-          <a:effectRef idx="1">
-            <a:schemeClr val="dk1"/>
+          <a:effectRef idx="0">
+            <a:schemeClr val="accent1"/>
           </a:effectRef>
           <a:fontRef idx="minor">
             <a:schemeClr val="tx1"/>
           </a:fontRef>
         </p:style>
       </p:cxnSp>
-      <p:grpSp>
-        <p:nvGrpSpPr>
-          <p:cNvPr id="38" name="Group 37">
-            <a:extLst>
-              <a:ext uri="{FF2B5EF4-FFF2-40B4-BE49-F238E27FC236}">
-                <a16:creationId xmlns:a16="http://schemas.microsoft.com/office/drawing/2014/main" id="{03DA6296-9791-1A43-BEDE-A32065704057}"/>
-              </a:ext>
-            </a:extLst>
-          </p:cNvPr>
-          <p:cNvGrpSpPr/>
+      <p:sp>
+        <p:nvSpPr>
+          <p:cNvPr id="2" name="Rectangle 1">
+            <a:extLst>
+              <a:ext uri="{FF2B5EF4-FFF2-40B4-BE49-F238E27FC236}">
+                <a16:creationId xmlns:a16="http://schemas.microsoft.com/office/drawing/2014/main" id="{046D36C2-D900-7E48-9F7F-81558747E734}"/>
+              </a:ext>
+            </a:extLst>
+          </p:cNvPr>
+          <p:cNvSpPr/>
           <p:nvPr/>
-        </p:nvGrpSpPr>
-        <p:grpSpPr>
+        </p:nvSpPr>
+        <p:spPr>
           <a:xfrm>
-            <a:off x="1480581" y="4213513"/>
-            <a:ext cx="1926279" cy="1802510"/>
-            <a:chOff x="2875965" y="2742840"/>
-            <a:chExt cx="1926279" cy="1802510"/>
+            <a:off x="261257" y="1415143"/>
+            <a:ext cx="4789714" cy="4909457"/>
           </a:xfrm>
-        </p:grpSpPr>
-        <p:sp>
-          <p:nvSpPr>
-            <p:cNvPr id="33" name="Process 32">
-              <a:extLst>
-                <a:ext uri="{FF2B5EF4-FFF2-40B4-BE49-F238E27FC236}">
-                  <a16:creationId xmlns:a16="http://schemas.microsoft.com/office/drawing/2014/main" id="{E1EA8AA6-3767-0D4B-BC62-AC41189311B2}"/>
-                </a:ext>
-              </a:extLst>
-            </p:cNvPr>
-            <p:cNvSpPr/>
-            <p:nvPr/>
-          </p:nvSpPr>
-          <p:spPr>
-            <a:xfrm>
-              <a:off x="2876884" y="3465350"/>
-              <a:ext cx="1925360" cy="1080000"/>
-            </a:xfrm>
-            <a:prstGeom prst="flowChartProcess">
-              <a:avLst/>
-            </a:prstGeom>
+          <a:prstGeom prst="rect">
+            <a:avLst/>
+          </a:prstGeom>
+          <a:noFill/>
+          <a:ln>
             <a:solidFill>
-              <a:schemeClr val="accent6">
-                <a:lumMod val="20000"/>
-                <a:lumOff val="80000"/>
-              </a:schemeClr>
+              <a:srgbClr val="FF0000"/>
             </a:solidFill>
-            <a:ln w="6350" cmpd="sng">
-              <a:noFill/>
-            </a:ln>
-          </p:spPr>
-          <p:style>
-            <a:lnRef idx="2">
-              <a:schemeClr val="dk1"/>
-            </a:lnRef>
-            <a:fillRef idx="1">
-              <a:schemeClr val="lt1"/>
-            </a:fillRef>
-            <a:effectRef idx="0">
-              <a:schemeClr val="dk1"/>
-            </a:effectRef>
-            <a:fontRef idx="minor">
-              <a:schemeClr val="dk1"/>
-            </a:fontRef>
-          </p:style>
-          <p:txBody>
-            <a:bodyPr rot="0" spcFirstLastPara="0" vertOverflow="overflow" horzOverflow="overflow" vert="horz" wrap="square" lIns="0" tIns="0" rIns="0" bIns="0" numCol="1" spcCol="0" rtlCol="0" fromWordArt="0" anchor="ctr" anchorCtr="0" forceAA="0" compatLnSpc="1">
-              <a:prstTxWarp prst="textNoShape">
-                <a:avLst/>
-              </a:prstTxWarp>
-              <a:noAutofit/>
-            </a:bodyPr>
-            <a:lstStyle/>
-            <a:p>
-              <a:pPr marL="0" lvl="1" algn="ctr"/>
-              <a:r>
-                <a:rPr lang="en-US" sz="1400" dirty="0">
-                  <a:latin typeface="Arial" panose="020B0604020202020204" pitchFamily="34" charset="0"/>
-                  <a:cs typeface="Arial" panose="020B0604020202020204" pitchFamily="34" charset="0"/>
-                </a:rPr>
-                <a:t>Existing </a:t>
-              </a:r>
-              <a:r>
-                <a:rPr lang="en-US" sz="1400" dirty="0" err="1">
-                  <a:latin typeface="Arial" panose="020B0604020202020204" pitchFamily="34" charset="0"/>
-                  <a:cs typeface="Arial" panose="020B0604020202020204" pitchFamily="34" charset="0"/>
-                </a:rPr>
-                <a:t>Pfam</a:t>
-              </a:r>
-              <a:r>
-                <a:rPr lang="en-US" sz="1400" dirty="0">
-                  <a:latin typeface="Arial" panose="020B0604020202020204" pitchFamily="34" charset="0"/>
-                  <a:cs typeface="Arial" panose="020B0604020202020204" pitchFamily="34" charset="0"/>
-                </a:rPr>
-                <a:t>-A</a:t>
-              </a:r>
-            </a:p>
-            <a:p>
-              <a:pPr marL="0" lvl="1" algn="ctr"/>
-              <a:r>
-                <a:rPr lang="en-US" sz="1400" dirty="0">
-                  <a:latin typeface="Arial" panose="020B0604020202020204" pitchFamily="34" charset="0"/>
-                  <a:cs typeface="Arial" panose="020B0604020202020204" pitchFamily="34" charset="0"/>
-                </a:rPr>
-                <a:t>domain models</a:t>
-              </a:r>
-            </a:p>
-          </p:txBody>
-        </p:sp>
-        <p:sp>
-          <p:nvSpPr>
-            <p:cNvPr id="6" name="Process 5">
-              <a:extLst>
-                <a:ext uri="{FF2B5EF4-FFF2-40B4-BE49-F238E27FC236}">
-                  <a16:creationId xmlns:a16="http://schemas.microsoft.com/office/drawing/2014/main" id="{155281D4-E28D-BD43-8747-337069B38B77}"/>
-                </a:ext>
-              </a:extLst>
-            </p:cNvPr>
-            <p:cNvSpPr/>
-            <p:nvPr/>
-          </p:nvSpPr>
-          <p:spPr>
-            <a:xfrm>
-              <a:off x="2875965" y="2742840"/>
-              <a:ext cx="1925360" cy="722512"/>
-            </a:xfrm>
-            <a:prstGeom prst="flowChartProcess">
-              <a:avLst/>
-            </a:prstGeom>
-            <a:ln w="6350" cmpd="sng"/>
-          </p:spPr>
-          <p:style>
-            <a:lnRef idx="2">
-              <a:schemeClr val="dk1"/>
-            </a:lnRef>
-            <a:fillRef idx="1">
-              <a:schemeClr val="lt1"/>
-            </a:fillRef>
-            <a:effectRef idx="0">
-              <a:schemeClr val="dk1"/>
-            </a:effectRef>
-            <a:fontRef idx="minor">
-              <a:schemeClr val="dk1"/>
-            </a:fontRef>
-          </p:style>
-          <p:txBody>
-            <a:bodyPr rot="0" spcFirstLastPara="0" vertOverflow="overflow" horzOverflow="overflow" vert="horz" wrap="square" lIns="0" tIns="0" rIns="0" bIns="0" numCol="1" spcCol="0" rtlCol="0" fromWordArt="0" anchor="ctr" anchorCtr="0" forceAA="0" compatLnSpc="1">
-              <a:prstTxWarp prst="textNoShape">
-                <a:avLst/>
-              </a:prstTxWarp>
-              <a:noAutofit/>
-            </a:bodyPr>
-            <a:lstStyle/>
-            <a:p>
-              <a:pPr algn="ctr"/>
-              <a:r>
-                <a:rPr lang="en-US" b="1" dirty="0">
-                  <a:latin typeface="Arial" panose="020B0604020202020204" pitchFamily="34" charset="0"/>
-                  <a:cs typeface="Arial" panose="020B0604020202020204" pitchFamily="34" charset="0"/>
-                </a:rPr>
-                <a:t>Domain models</a:t>
-              </a:r>
-            </a:p>
-          </p:txBody>
-        </p:sp>
-      </p:grpSp>
-      <p:grpSp>
-        <p:nvGrpSpPr>
-          <p:cNvPr id="39" name="Group 38">
-            <a:extLst>
-              <a:ext uri="{FF2B5EF4-FFF2-40B4-BE49-F238E27FC236}">
-                <a16:creationId xmlns:a16="http://schemas.microsoft.com/office/drawing/2014/main" id="{77207425-3594-A640-B862-E1AD3C7B67D1}"/>
-              </a:ext>
-            </a:extLst>
-          </p:cNvPr>
-          <p:cNvGrpSpPr/>
+          </a:ln>
+        </p:spPr>
+        <p:style>
+          <a:lnRef idx="2">
+            <a:schemeClr val="accent1">
+              <a:shade val="50000"/>
+            </a:schemeClr>
+          </a:lnRef>
+          <a:fillRef idx="1">
+            <a:schemeClr val="accent1"/>
+          </a:fillRef>
+          <a:effectRef idx="0">
+            <a:schemeClr val="accent1"/>
+          </a:effectRef>
+          <a:fontRef idx="minor">
+            <a:schemeClr val="lt1"/>
+          </a:fontRef>
+        </p:style>
+        <p:txBody>
+          <a:bodyPr rtlCol="0" anchor="ctr"/>
+          <a:lstStyle/>
+          <a:p>
+            <a:pPr algn="ctr"/>
+            <a:endParaRPr lang="en-US"/>
+          </a:p>
+        </p:txBody>
+      </p:sp>
+      <p:sp>
+        <p:nvSpPr>
+          <p:cNvPr id="6" name="Rectangle 5">
+            <a:extLst>
+              <a:ext uri="{FF2B5EF4-FFF2-40B4-BE49-F238E27FC236}">
+                <a16:creationId xmlns:a16="http://schemas.microsoft.com/office/drawing/2014/main" id="{A89601A3-ED10-CC47-9E0B-84745338F520}"/>
+              </a:ext>
+            </a:extLst>
+          </p:cNvPr>
+          <p:cNvSpPr/>
           <p:nvPr/>
-        </p:nvGrpSpPr>
-        <p:grpSpPr>
+        </p:nvSpPr>
+        <p:spPr>
           <a:xfrm>
-            <a:off x="1481500" y="1801685"/>
-            <a:ext cx="1925360" cy="1781525"/>
-            <a:chOff x="542302" y="1782248"/>
-            <a:chExt cx="1925360" cy="1781525"/>
+            <a:off x="1143000" y="4876800"/>
+            <a:ext cx="2852057" cy="1001486"/>
           </a:xfrm>
-        </p:grpSpPr>
-        <p:sp>
-          <p:nvSpPr>
-            <p:cNvPr id="32" name="Process 31">
-              <a:extLst>
-                <a:ext uri="{FF2B5EF4-FFF2-40B4-BE49-F238E27FC236}">
-                  <a16:creationId xmlns:a16="http://schemas.microsoft.com/office/drawing/2014/main" id="{8C6FDE90-9D20-A146-B7FA-438A7B56855B}"/>
-                </a:ext>
-              </a:extLst>
-            </p:cNvPr>
-            <p:cNvSpPr/>
-            <p:nvPr/>
-          </p:nvSpPr>
-          <p:spPr>
-            <a:xfrm>
-              <a:off x="542302" y="2483773"/>
-              <a:ext cx="1925360" cy="1080000"/>
-            </a:xfrm>
-            <a:prstGeom prst="flowChartProcess">
-              <a:avLst/>
-            </a:prstGeom>
+          <a:prstGeom prst="rect">
+            <a:avLst/>
+          </a:prstGeom>
+          <a:noFill/>
+          <a:ln>
             <a:solidFill>
-              <a:schemeClr val="accent1">
-                <a:lumMod val="20000"/>
-                <a:lumOff val="80000"/>
-              </a:schemeClr>
+              <a:srgbClr val="FF0000"/>
             </a:solidFill>
-            <a:ln w="6350" cmpd="sng">
-              <a:noFill/>
-            </a:ln>
-          </p:spPr>
-          <p:style>
-            <a:lnRef idx="2">
-              <a:schemeClr val="dk1"/>
-            </a:lnRef>
-            <a:fillRef idx="1">
-              <a:schemeClr val="lt1"/>
-            </a:fillRef>
-            <a:effectRef idx="0">
-              <a:schemeClr val="dk1"/>
-            </a:effectRef>
-            <a:fontRef idx="minor">
-              <a:schemeClr val="dk1"/>
-            </a:fontRef>
-          </p:style>
-          <p:txBody>
-            <a:bodyPr rot="0" spcFirstLastPara="0" vertOverflow="overflow" horzOverflow="overflow" vert="horz" wrap="square" lIns="0" tIns="0" rIns="0" bIns="0" numCol="1" spcCol="0" rtlCol="0" fromWordArt="0" anchor="ctr" anchorCtr="0" forceAA="0" compatLnSpc="1">
-              <a:prstTxWarp prst="textNoShape">
-                <a:avLst/>
-              </a:prstTxWarp>
-              <a:noAutofit/>
-            </a:bodyPr>
-            <a:lstStyle/>
-            <a:p>
-              <a:pPr algn="ctr"/>
-              <a:r>
-                <a:rPr lang="en-US" sz="1400" dirty="0">
-                  <a:latin typeface="Arial" panose="020B0604020202020204" pitchFamily="34" charset="0"/>
-                  <a:cs typeface="Arial" panose="020B0604020202020204" pitchFamily="34" charset="0"/>
-                </a:rPr>
-                <a:t>Test set of 1000 DNA reads of 150nt (translated as peptides, from the 6 frames)</a:t>
-              </a:r>
-              <a:endParaRPr lang="en-US" sz="1400" dirty="0">
-                <a:latin typeface="Arial"/>
-                <a:cs typeface="Arial"/>
-              </a:endParaRPr>
-            </a:p>
-          </p:txBody>
-        </p:sp>
-        <p:sp>
-          <p:nvSpPr>
-            <p:cNvPr id="15" name="Process 14">
-              <a:extLst>
-                <a:ext uri="{FF2B5EF4-FFF2-40B4-BE49-F238E27FC236}">
-                  <a16:creationId xmlns:a16="http://schemas.microsoft.com/office/drawing/2014/main" id="{26FB854E-8870-A040-8216-A21246E836D2}"/>
-                </a:ext>
-              </a:extLst>
-            </p:cNvPr>
-            <p:cNvSpPr/>
-            <p:nvPr/>
-          </p:nvSpPr>
-          <p:spPr>
-            <a:xfrm>
-              <a:off x="542302" y="1782248"/>
-              <a:ext cx="1925360" cy="722512"/>
-            </a:xfrm>
-            <a:prstGeom prst="flowChartProcess">
-              <a:avLst/>
-            </a:prstGeom>
-            <a:ln w="6350" cmpd="sng"/>
-          </p:spPr>
-          <p:style>
-            <a:lnRef idx="2">
-              <a:schemeClr val="dk1"/>
-            </a:lnRef>
-            <a:fillRef idx="1">
-              <a:schemeClr val="lt1"/>
-            </a:fillRef>
-            <a:effectRef idx="0">
-              <a:schemeClr val="dk1"/>
-            </a:effectRef>
-            <a:fontRef idx="minor">
-              <a:schemeClr val="dk1"/>
-            </a:fontRef>
-          </p:style>
-          <p:txBody>
-            <a:bodyPr rot="0" spcFirstLastPara="0" vertOverflow="overflow" horzOverflow="overflow" vert="horz" wrap="square" lIns="0" tIns="0" rIns="0" bIns="0" numCol="1" spcCol="0" rtlCol="0" fromWordArt="0" anchor="ctr" anchorCtr="0" forceAA="0" compatLnSpc="1">
-              <a:prstTxWarp prst="textNoShape">
-                <a:avLst/>
-              </a:prstTxWarp>
-              <a:noAutofit/>
-            </a:bodyPr>
-            <a:lstStyle/>
-            <a:p>
-              <a:pPr algn="ctr"/>
-              <a:r>
-                <a:rPr lang="en-US" b="1" dirty="0">
-                  <a:latin typeface="Arial"/>
-                  <a:cs typeface="Arial"/>
-                </a:rPr>
-                <a:t>Query</a:t>
-              </a:r>
-            </a:p>
-            <a:p>
-              <a:pPr algn="ctr"/>
-              <a:r>
-                <a:rPr lang="en-US" b="1" dirty="0">
-                  <a:latin typeface="Arial"/>
-                  <a:cs typeface="Arial"/>
-                </a:rPr>
-                <a:t>sequences</a:t>
-              </a:r>
-            </a:p>
-          </p:txBody>
-        </p:sp>
-      </p:grpSp>
-      <p:grpSp>
-        <p:nvGrpSpPr>
-          <p:cNvPr id="36" name="Group 35">
-            <a:extLst>
-              <a:ext uri="{FF2B5EF4-FFF2-40B4-BE49-F238E27FC236}">
-                <a16:creationId xmlns:a16="http://schemas.microsoft.com/office/drawing/2014/main" id="{B866851D-2EF4-A04F-AAD0-5FD2990280B2}"/>
-              </a:ext>
-            </a:extLst>
-          </p:cNvPr>
-          <p:cNvGrpSpPr/>
+          </a:ln>
+        </p:spPr>
+        <p:style>
+          <a:lnRef idx="2">
+            <a:schemeClr val="accent1">
+              <a:shade val="50000"/>
+            </a:schemeClr>
+          </a:lnRef>
+          <a:fillRef idx="1">
+            <a:schemeClr val="accent1"/>
+          </a:fillRef>
+          <a:effectRef idx="0">
+            <a:schemeClr val="accent1"/>
+          </a:effectRef>
+          <a:fontRef idx="minor">
+            <a:schemeClr val="lt1"/>
+          </a:fontRef>
+        </p:style>
+        <p:txBody>
+          <a:bodyPr rtlCol="0" anchor="ctr"/>
+          <a:lstStyle/>
+          <a:p>
+            <a:pPr algn="ctr"/>
+            <a:endParaRPr lang="en-US"/>
+          </a:p>
+        </p:txBody>
+      </p:sp>
+      <p:sp>
+        <p:nvSpPr>
+          <p:cNvPr id="7" name="TextBox 6">
+            <a:extLst>
+              <a:ext uri="{FF2B5EF4-FFF2-40B4-BE49-F238E27FC236}">
+                <a16:creationId xmlns:a16="http://schemas.microsoft.com/office/drawing/2014/main" id="{8CBC2DDB-D8F9-2C48-8A61-493F632757FF}"/>
+              </a:ext>
+            </a:extLst>
+          </p:cNvPr>
+          <p:cNvSpPr txBox="1"/>
           <p:nvPr/>
-        </p:nvGrpSpPr>
-        <p:grpSpPr>
+        </p:nvSpPr>
+        <p:spPr>
           <a:xfrm>
-            <a:off x="8869889" y="3066716"/>
-            <a:ext cx="1925360" cy="1802512"/>
-            <a:chOff x="8787941" y="4917030"/>
-            <a:chExt cx="1925360" cy="1802512"/>
+            <a:off x="6013381" y="1839429"/>
+            <a:ext cx="3400675" cy="2862322"/>
           </a:xfrm>
-        </p:grpSpPr>
-        <p:sp>
-          <p:nvSpPr>
-            <p:cNvPr id="35" name="Process 34">
-              <a:extLst>
-                <a:ext uri="{FF2B5EF4-FFF2-40B4-BE49-F238E27FC236}">
-                  <a16:creationId xmlns:a16="http://schemas.microsoft.com/office/drawing/2014/main" id="{62A37050-F052-4D4F-BBCD-2A0EAC9DA0E3}"/>
-                </a:ext>
-              </a:extLst>
-            </p:cNvPr>
-            <p:cNvSpPr/>
-            <p:nvPr/>
-          </p:nvSpPr>
-          <p:spPr>
-            <a:xfrm>
-              <a:off x="8787941" y="5639542"/>
-              <a:ext cx="1925360" cy="1080000"/>
-            </a:xfrm>
-            <a:prstGeom prst="flowChartProcess">
-              <a:avLst/>
-            </a:prstGeom>
-            <a:solidFill>
-              <a:srgbClr val="FED7DA"/>
-            </a:solidFill>
-            <a:ln w="6350" cmpd="sng">
-              <a:noFill/>
-            </a:ln>
-          </p:spPr>
-          <p:style>
-            <a:lnRef idx="2">
-              <a:schemeClr val="dk1"/>
-            </a:lnRef>
-            <a:fillRef idx="1">
-              <a:schemeClr val="lt1"/>
-            </a:fillRef>
-            <a:effectRef idx="0">
-              <a:schemeClr val="dk1"/>
-            </a:effectRef>
-            <a:fontRef idx="minor">
-              <a:schemeClr val="dk1"/>
-            </a:fontRef>
-          </p:style>
-          <p:txBody>
-            <a:bodyPr rot="0" spcFirstLastPara="0" vertOverflow="overflow" horzOverflow="overflow" vert="horz" wrap="square" lIns="0" tIns="0" rIns="0" bIns="0" numCol="1" spcCol="0" rtlCol="0" fromWordArt="0" anchor="ctr" anchorCtr="0" forceAA="0" compatLnSpc="1">
-              <a:prstTxWarp prst="textNoShape">
-                <a:avLst/>
-              </a:prstTxWarp>
-              <a:noAutofit/>
-            </a:bodyPr>
-            <a:lstStyle/>
-            <a:p>
-              <a:pPr marL="0" lvl="1"/>
-              <a:r>
-                <a:rPr lang="en-US" sz="1400" dirty="0">
-                  <a:latin typeface="Arial"/>
-                  <a:cs typeface="Arial"/>
-                </a:rPr>
-                <a:t>  Annotations:</a:t>
-              </a:r>
-            </a:p>
-            <a:p>
-              <a:pPr marL="0" lvl="1"/>
-              <a:r>
-                <a:rPr lang="en-US" sz="1400" dirty="0">
-                  <a:latin typeface="Arial"/>
-                  <a:cs typeface="Arial"/>
-                </a:rPr>
-                <a:t>    - Known domain IDs</a:t>
-              </a:r>
-            </a:p>
-            <a:p>
-              <a:pPr marL="0" lvl="1"/>
-              <a:r>
-                <a:rPr lang="en-US" sz="1400" dirty="0">
-                  <a:latin typeface="Arial"/>
-                  <a:cs typeface="Arial"/>
-                </a:rPr>
-                <a:t>    - Contig locations</a:t>
-              </a:r>
-            </a:p>
-            <a:p>
-              <a:pPr marL="0" lvl="1"/>
-              <a:r>
-                <a:rPr lang="en-US" sz="1400" dirty="0">
-                  <a:latin typeface="Arial"/>
-                  <a:cs typeface="Arial"/>
-                </a:rPr>
-                <a:t>    - Scores</a:t>
-              </a:r>
-            </a:p>
-          </p:txBody>
-        </p:sp>
-        <p:sp>
-          <p:nvSpPr>
-            <p:cNvPr id="16" name="Process 15">
-              <a:extLst>
-                <a:ext uri="{FF2B5EF4-FFF2-40B4-BE49-F238E27FC236}">
-                  <a16:creationId xmlns:a16="http://schemas.microsoft.com/office/drawing/2014/main" id="{C1A8CD15-5E5E-B344-A1FA-560EDB294567}"/>
-                </a:ext>
-              </a:extLst>
-            </p:cNvPr>
-            <p:cNvSpPr/>
-            <p:nvPr/>
-          </p:nvSpPr>
-          <p:spPr>
-            <a:xfrm>
-              <a:off x="8787941" y="4917030"/>
-              <a:ext cx="1925360" cy="722512"/>
-            </a:xfrm>
-            <a:prstGeom prst="flowChartProcess">
-              <a:avLst/>
-            </a:prstGeom>
-            <a:ln w="6350" cmpd="sng"/>
-          </p:spPr>
-          <p:style>
-            <a:lnRef idx="2">
-              <a:schemeClr val="dk1"/>
-            </a:lnRef>
-            <a:fillRef idx="1">
-              <a:schemeClr val="lt1"/>
-            </a:fillRef>
-            <a:effectRef idx="0">
-              <a:schemeClr val="dk1"/>
-            </a:effectRef>
-            <a:fontRef idx="minor">
-              <a:schemeClr val="dk1"/>
-            </a:fontRef>
-          </p:style>
-          <p:txBody>
-            <a:bodyPr rot="0" spcFirstLastPara="0" vertOverflow="overflow" horzOverflow="overflow" vert="horz" wrap="square" lIns="0" tIns="0" rIns="0" bIns="0" numCol="1" spcCol="0" rtlCol="0" fromWordArt="0" anchor="ctr" anchorCtr="0" forceAA="0" compatLnSpc="1">
-              <a:prstTxWarp prst="textNoShape">
-                <a:avLst/>
-              </a:prstTxWarp>
-              <a:noAutofit/>
-            </a:bodyPr>
-            <a:lstStyle/>
-            <a:p>
-              <a:pPr algn="ctr"/>
-              <a:r>
-                <a:rPr lang="en-US" b="1" dirty="0">
-                  <a:latin typeface="Arial"/>
-                  <a:cs typeface="Arial"/>
-                </a:rPr>
-                <a:t>Output</a:t>
-              </a:r>
-            </a:p>
-          </p:txBody>
-        </p:sp>
-      </p:grpSp>
-      <p:grpSp>
-        <p:nvGrpSpPr>
-          <p:cNvPr id="37" name="Group 36">
-            <a:extLst>
-              <a:ext uri="{FF2B5EF4-FFF2-40B4-BE49-F238E27FC236}">
-                <a16:creationId xmlns:a16="http://schemas.microsoft.com/office/drawing/2014/main" id="{BE1B7F82-4140-F74A-917E-AA83202E0A30}"/>
-              </a:ext>
-            </a:extLst>
-          </p:cNvPr>
-          <p:cNvGrpSpPr/>
+          <a:prstGeom prst="rect">
+            <a:avLst/>
+          </a:prstGeom>
+          <a:noFill/>
+        </p:spPr>
+        <p:txBody>
+          <a:bodyPr wrap="none" rtlCol="0">
+            <a:spAutoFit/>
+          </a:bodyPr>
+          <a:lstStyle/>
+          <a:p>
+            <a:r>
+              <a:rPr lang="en-US" dirty="0"/>
+              <a:t>Raw reads</a:t>
+            </a:r>
+          </a:p>
+          <a:p>
+            <a:endParaRPr lang="en-US" dirty="0"/>
+          </a:p>
+          <a:p>
+            <a:r>
+              <a:rPr lang="en-US" dirty="0"/>
+              <a:t>6frame TLN</a:t>
+            </a:r>
+          </a:p>
+          <a:p>
+            <a:endParaRPr lang="en-US" dirty="0"/>
+          </a:p>
+          <a:p>
+            <a:r>
+              <a:rPr lang="en-US" dirty="0"/>
+              <a:t>Sketch query</a:t>
+            </a:r>
+          </a:p>
+          <a:p>
+            <a:endParaRPr lang="en-US" dirty="0"/>
+          </a:p>
+          <a:p>
+            <a:r>
+              <a:rPr lang="en-US" dirty="0"/>
+              <a:t>Sketch against Rodney’s Virus CDD</a:t>
+            </a:r>
+          </a:p>
+          <a:p>
+            <a:endParaRPr lang="en-US" dirty="0"/>
+          </a:p>
+          <a:p>
+            <a:r>
+              <a:rPr lang="en-US" dirty="0"/>
+              <a:t>Compare w/ </a:t>
+            </a:r>
+            <a:r>
+              <a:rPr lang="en-US" dirty="0" err="1"/>
+              <a:t>rpstbln</a:t>
+            </a:r>
+            <a:r>
+              <a:rPr lang="en-US" dirty="0"/>
+              <a:t> output</a:t>
+            </a:r>
+          </a:p>
+          <a:p>
+            <a:r>
+              <a:rPr lang="en-US" dirty="0"/>
+              <a:t> </a:t>
+            </a:r>
+          </a:p>
+        </p:txBody>
+      </p:sp>
+      <p:cxnSp>
+        <p:nvCxnSpPr>
+          <p:cNvPr id="13" name="Straight Arrow Connector 12">
+            <a:extLst>
+              <a:ext uri="{FF2B5EF4-FFF2-40B4-BE49-F238E27FC236}">
+                <a16:creationId xmlns:a16="http://schemas.microsoft.com/office/drawing/2014/main" id="{D77FB0DE-B1F2-4C40-A79A-21F8DF97C653}"/>
+              </a:ext>
+            </a:extLst>
+          </p:cNvPr>
+          <p:cNvCxnSpPr>
+            <a:cxnSpLocks/>
+          </p:cNvCxnSpPr>
           <p:nvPr/>
-        </p:nvGrpSpPr>
-        <p:grpSpPr>
+        </p:nvCxnSpPr>
+        <p:spPr>
           <a:xfrm>
-            <a:off x="5458467" y="3067744"/>
-            <a:ext cx="1925724" cy="1802512"/>
-            <a:chOff x="5885139" y="3993158"/>
-            <a:chExt cx="1925724" cy="1802512"/>
+            <a:off x="9802823" y="1936228"/>
+            <a:ext cx="0" cy="3343343"/>
           </a:xfrm>
-        </p:grpSpPr>
-        <p:sp>
-          <p:nvSpPr>
-            <p:cNvPr id="34" name="Process 33">
-              <a:extLst>
-                <a:ext uri="{FF2B5EF4-FFF2-40B4-BE49-F238E27FC236}">
-                  <a16:creationId xmlns:a16="http://schemas.microsoft.com/office/drawing/2014/main" id="{5DD300EC-8ADF-7D44-985F-3B579321768E}"/>
-                </a:ext>
-              </a:extLst>
-            </p:cNvPr>
-            <p:cNvSpPr/>
-            <p:nvPr/>
-          </p:nvSpPr>
-          <p:spPr>
-            <a:xfrm>
-              <a:off x="5885503" y="4715670"/>
-              <a:ext cx="1925360" cy="1080000"/>
-            </a:xfrm>
-            <a:prstGeom prst="flowChartProcess">
-              <a:avLst/>
-            </a:prstGeom>
-            <a:solidFill>
-              <a:schemeClr val="accent4">
-                <a:lumMod val="20000"/>
-                <a:lumOff val="80000"/>
-              </a:schemeClr>
-            </a:solidFill>
-            <a:ln w="6350" cmpd="sng">
-              <a:noFill/>
-            </a:ln>
-          </p:spPr>
-          <p:style>
-            <a:lnRef idx="2">
-              <a:schemeClr val="dk1"/>
-            </a:lnRef>
-            <a:fillRef idx="1">
-              <a:schemeClr val="lt1"/>
-            </a:fillRef>
-            <a:effectRef idx="0">
-              <a:schemeClr val="dk1"/>
-            </a:effectRef>
-            <a:fontRef idx="minor">
-              <a:schemeClr val="dk1"/>
-            </a:fontRef>
-          </p:style>
-          <p:txBody>
-            <a:bodyPr rot="0" spcFirstLastPara="0" vertOverflow="overflow" horzOverflow="overflow" vert="horz" wrap="square" lIns="0" tIns="0" rIns="0" bIns="0" numCol="1" spcCol="0" rtlCol="0" fromWordArt="0" anchor="ctr" anchorCtr="0" forceAA="0" compatLnSpc="1">
-              <a:prstTxWarp prst="textNoShape">
-                <a:avLst/>
-              </a:prstTxWarp>
-              <a:noAutofit/>
-            </a:bodyPr>
-            <a:lstStyle/>
-            <a:p>
-              <a:pPr algn="ctr"/>
-              <a:r>
-                <a:rPr lang="en-US" sz="1400" dirty="0">
-                  <a:latin typeface="Arial" panose="020B0604020202020204" pitchFamily="34" charset="0"/>
-                  <a:cs typeface="Arial" panose="020B0604020202020204" pitchFamily="34" charset="0"/>
-                </a:rPr>
-                <a:t>Using </a:t>
-              </a:r>
-              <a:r>
-                <a:rPr lang="en-US" sz="1400" dirty="0" err="1">
-                  <a:latin typeface="Courier" pitchFamily="2" charset="0"/>
-                  <a:cs typeface="Arial" panose="020B0604020202020204" pitchFamily="34" charset="0"/>
-                </a:rPr>
-                <a:t>hmmscan</a:t>
-              </a:r>
-              <a:endParaRPr lang="en-US" sz="1400" dirty="0">
-                <a:latin typeface="Courier" pitchFamily="2" charset="0"/>
-                <a:cs typeface="Arial" panose="020B0604020202020204" pitchFamily="34" charset="0"/>
-              </a:endParaRPr>
-            </a:p>
-          </p:txBody>
-        </p:sp>
-        <p:sp>
-          <p:nvSpPr>
-            <p:cNvPr id="22" name="Process 21">
-              <a:extLst>
-                <a:ext uri="{FF2B5EF4-FFF2-40B4-BE49-F238E27FC236}">
-                  <a16:creationId xmlns:a16="http://schemas.microsoft.com/office/drawing/2014/main" id="{887AC048-3FAF-DA45-985A-3EED4A7D5E9B}"/>
-                </a:ext>
-              </a:extLst>
-            </p:cNvPr>
-            <p:cNvSpPr/>
-            <p:nvPr/>
-          </p:nvSpPr>
-          <p:spPr>
-            <a:xfrm>
-              <a:off x="5885139" y="3993158"/>
-              <a:ext cx="1925360" cy="722512"/>
-            </a:xfrm>
-            <a:prstGeom prst="flowChartProcess">
-              <a:avLst/>
-            </a:prstGeom>
-            <a:ln w="6350" cmpd="sng"/>
-          </p:spPr>
-          <p:style>
-            <a:lnRef idx="2">
-              <a:schemeClr val="dk1"/>
-            </a:lnRef>
-            <a:fillRef idx="1">
-              <a:schemeClr val="lt1"/>
-            </a:fillRef>
-            <a:effectRef idx="0">
-              <a:schemeClr val="dk1"/>
-            </a:effectRef>
-            <a:fontRef idx="minor">
-              <a:schemeClr val="dk1"/>
-            </a:fontRef>
-          </p:style>
-          <p:txBody>
-            <a:bodyPr rot="0" spcFirstLastPara="0" vertOverflow="overflow" horzOverflow="overflow" vert="horz" wrap="square" lIns="0" tIns="0" rIns="0" bIns="0" numCol="1" spcCol="0" rtlCol="0" fromWordArt="0" anchor="ctr" anchorCtr="0" forceAA="0" compatLnSpc="1">
-              <a:prstTxWarp prst="textNoShape">
-                <a:avLst/>
-              </a:prstTxWarp>
-              <a:noAutofit/>
-            </a:bodyPr>
-            <a:lstStyle/>
-            <a:p>
-              <a:pPr algn="ctr"/>
-              <a:r>
-                <a:rPr lang="en-US" b="1" dirty="0">
-                  <a:latin typeface="Arial" panose="020B0604020202020204" pitchFamily="34" charset="0"/>
-                  <a:cs typeface="Arial" panose="020B0604020202020204" pitchFamily="34" charset="0"/>
-                </a:rPr>
-                <a:t>Domain search</a:t>
-              </a:r>
-            </a:p>
-          </p:txBody>
-        </p:sp>
-      </p:grpSp>
+          <a:prstGeom prst="straightConnector1">
+            <a:avLst/>
+          </a:prstGeom>
+          <a:ln w="57150">
+            <a:tailEnd type="triangle"/>
+          </a:ln>
+        </p:spPr>
+        <p:style>
+          <a:lnRef idx="1">
+            <a:schemeClr val="accent1"/>
+          </a:lnRef>
+          <a:fillRef idx="0">
+            <a:schemeClr val="accent1"/>
+          </a:fillRef>
+          <a:effectRef idx="0">
+            <a:schemeClr val="accent1"/>
+          </a:effectRef>
+          <a:fontRef idx="minor">
+            <a:schemeClr val="tx1"/>
+          </a:fontRef>
+        </p:style>
+      </p:cxnSp>
     </p:spTree>
     <p:extLst>
       <p:ext uri="{BB962C8B-B14F-4D97-AF65-F5344CB8AC3E}">
-        <p14:creationId xmlns:p14="http://schemas.microsoft.com/office/powerpoint/2010/main" val="1626339342"/>
+        <p14:creationId xmlns:p14="http://schemas.microsoft.com/office/powerpoint/2010/main" val="2735329150"/>
       </p:ext>
     </p:extLst>
   </p:cSld>

--- a/tuesday progress presentation2.pptx
+++ b/tuesday progress presentation2.pptx
@@ -8,6 +8,8 @@
     <p:sldId id="257" r:id="rId2"/>
     <p:sldId id="258" r:id="rId3"/>
     <p:sldId id="259" r:id="rId4"/>
+    <p:sldId id="261" r:id="rId5"/>
+    <p:sldId id="263" r:id="rId6"/>
   </p:sldIdLst>
   <p:sldSz cx="12192000" cy="6858000"/>
   <p:notesSz cx="6858000" cy="9144000"/>
@@ -4786,6 +4788,2168 @@
 </p:sld>
 </file>
 
+<file path=ppt/slides/slide4.xml><?xml version="1.0" encoding="utf-8"?>
+<p:sld xmlns:a="http://schemas.openxmlformats.org/drawingml/2006/main" xmlns:r="http://schemas.openxmlformats.org/officeDocument/2006/relationships" xmlns:p="http://schemas.openxmlformats.org/presentationml/2006/main">
+  <p:cSld>
+    <p:spTree>
+      <p:nvGrpSpPr>
+        <p:cNvPr id="1" name=""/>
+        <p:cNvGrpSpPr/>
+        <p:nvPr/>
+      </p:nvGrpSpPr>
+      <p:grpSpPr>
+        <a:xfrm>
+          <a:off x="0" y="0"/>
+          <a:ext cx="0" cy="0"/>
+          <a:chOff x="0" y="0"/>
+          <a:chExt cx="0" cy="0"/>
+        </a:xfrm>
+      </p:grpSpPr>
+      <p:sp>
+        <p:nvSpPr>
+          <p:cNvPr id="2" name="TextBox 1">
+            <a:extLst>
+              <a:ext uri="{FF2B5EF4-FFF2-40B4-BE49-F238E27FC236}">
+                <a16:creationId xmlns:a16="http://schemas.microsoft.com/office/drawing/2014/main" id="{2A1E74F7-FF76-AE47-A13E-F84E97D9D854}"/>
+              </a:ext>
+            </a:extLst>
+          </p:cNvPr>
+          <p:cNvSpPr txBox="1"/>
+          <p:nvPr/>
+        </p:nvSpPr>
+        <p:spPr>
+          <a:xfrm>
+            <a:off x="468630" y="390843"/>
+            <a:ext cx="11276765" cy="646331"/>
+          </a:xfrm>
+          <a:prstGeom prst="rect">
+            <a:avLst/>
+          </a:prstGeom>
+          <a:noFill/>
+        </p:spPr>
+        <p:txBody>
+          <a:bodyPr wrap="square" rtlCol="0">
+            <a:spAutoFit/>
+          </a:bodyPr>
+          <a:lstStyle/>
+          <a:p>
+            <a:pPr algn="ctr"/>
+            <a:r>
+              <a:rPr lang="en-US" sz="3600" b="1" i="1" dirty="0">
+                <a:latin typeface="Arial" panose="020B0604020202020204" pitchFamily="34" charset="0"/>
+                <a:cs typeface="Arial" panose="020B0604020202020204" pitchFamily="34" charset="0"/>
+              </a:rPr>
+              <a:t>Searching domains in translated raw reads</a:t>
+            </a:r>
+          </a:p>
+        </p:txBody>
+      </p:sp>
+      <p:cxnSp>
+        <p:nvCxnSpPr>
+          <p:cNvPr id="3" name="Straight Arrow Connector 24">
+            <a:extLst>
+              <a:ext uri="{FF2B5EF4-FFF2-40B4-BE49-F238E27FC236}">
+                <a16:creationId xmlns:a16="http://schemas.microsoft.com/office/drawing/2014/main" id="{89D051E0-3635-5C49-A65E-DE5CBAB0F68A}"/>
+              </a:ext>
+            </a:extLst>
+          </p:cNvPr>
+          <p:cNvCxnSpPr>
+            <a:cxnSpLocks/>
+            <a:stCxn id="11" idx="3"/>
+            <a:endCxn id="17" idx="1"/>
+          </p:cNvCxnSpPr>
+          <p:nvPr/>
+        </p:nvCxnSpPr>
+        <p:spPr>
+          <a:xfrm>
+            <a:off x="3406860" y="2162941"/>
+            <a:ext cx="2051607" cy="1266059"/>
+          </a:xfrm>
+          <a:prstGeom prst="bentConnector3">
+            <a:avLst>
+              <a:gd name="adj1" fmla="val 50000"/>
+            </a:avLst>
+          </a:prstGeom>
+          <a:ln w="6350" cmpd="sng">
+            <a:solidFill>
+              <a:srgbClr val="000000"/>
+            </a:solidFill>
+            <a:headEnd type="none"/>
+            <a:tailEnd type="triangle"/>
+          </a:ln>
+          <a:effectLst/>
+        </p:spPr>
+        <p:style>
+          <a:lnRef idx="2">
+            <a:schemeClr val="dk1"/>
+          </a:lnRef>
+          <a:fillRef idx="0">
+            <a:schemeClr val="dk1"/>
+          </a:fillRef>
+          <a:effectRef idx="1">
+            <a:schemeClr val="dk1"/>
+          </a:effectRef>
+          <a:fontRef idx="minor">
+            <a:schemeClr val="tx1"/>
+          </a:fontRef>
+        </p:style>
+      </p:cxnSp>
+      <p:cxnSp>
+        <p:nvCxnSpPr>
+          <p:cNvPr id="4" name="Straight Arrow Connector 24">
+            <a:extLst>
+              <a:ext uri="{FF2B5EF4-FFF2-40B4-BE49-F238E27FC236}">
+                <a16:creationId xmlns:a16="http://schemas.microsoft.com/office/drawing/2014/main" id="{D9321FF4-B9CC-5840-8C01-92FD213DC7F3}"/>
+              </a:ext>
+            </a:extLst>
+          </p:cNvPr>
+          <p:cNvCxnSpPr>
+            <a:cxnSpLocks/>
+            <a:stCxn id="8" idx="3"/>
+            <a:endCxn id="17" idx="1"/>
+          </p:cNvCxnSpPr>
+          <p:nvPr/>
+        </p:nvCxnSpPr>
+        <p:spPr>
+          <a:xfrm flipV="1">
+            <a:off x="3405941" y="3429000"/>
+            <a:ext cx="2052526" cy="1145769"/>
+          </a:xfrm>
+          <a:prstGeom prst="bentConnector3">
+            <a:avLst>
+              <a:gd name="adj1" fmla="val 50000"/>
+            </a:avLst>
+          </a:prstGeom>
+          <a:ln w="6350" cmpd="sng">
+            <a:solidFill>
+              <a:srgbClr val="000000"/>
+            </a:solidFill>
+            <a:headEnd type="none"/>
+            <a:tailEnd type="triangle"/>
+          </a:ln>
+          <a:effectLst/>
+        </p:spPr>
+        <p:style>
+          <a:lnRef idx="2">
+            <a:schemeClr val="dk1"/>
+          </a:lnRef>
+          <a:fillRef idx="0">
+            <a:schemeClr val="dk1"/>
+          </a:fillRef>
+          <a:effectRef idx="1">
+            <a:schemeClr val="dk1"/>
+          </a:effectRef>
+          <a:fontRef idx="minor">
+            <a:schemeClr val="tx1"/>
+          </a:fontRef>
+        </p:style>
+      </p:cxnSp>
+      <p:cxnSp>
+        <p:nvCxnSpPr>
+          <p:cNvPr id="5" name="Straight Arrow Connector 24">
+            <a:extLst>
+              <a:ext uri="{FF2B5EF4-FFF2-40B4-BE49-F238E27FC236}">
+                <a16:creationId xmlns:a16="http://schemas.microsoft.com/office/drawing/2014/main" id="{E1678AFC-D3FE-2C40-981B-16F29EAC8F23}"/>
+              </a:ext>
+            </a:extLst>
+          </p:cNvPr>
+          <p:cNvCxnSpPr>
+            <a:cxnSpLocks/>
+            <a:stCxn id="17" idx="3"/>
+            <a:endCxn id="14" idx="1"/>
+          </p:cNvCxnSpPr>
+          <p:nvPr/>
+        </p:nvCxnSpPr>
+        <p:spPr>
+          <a:xfrm flipV="1">
+            <a:off x="7383827" y="3427972"/>
+            <a:ext cx="1486062" cy="1028"/>
+          </a:xfrm>
+          <a:prstGeom prst="bentConnector3">
+            <a:avLst>
+              <a:gd name="adj1" fmla="val 50000"/>
+            </a:avLst>
+          </a:prstGeom>
+          <a:ln w="6350" cmpd="sng">
+            <a:solidFill>
+              <a:srgbClr val="000000"/>
+            </a:solidFill>
+            <a:headEnd type="none"/>
+            <a:tailEnd type="triangle"/>
+          </a:ln>
+          <a:effectLst/>
+        </p:spPr>
+        <p:style>
+          <a:lnRef idx="2">
+            <a:schemeClr val="dk1"/>
+          </a:lnRef>
+          <a:fillRef idx="0">
+            <a:schemeClr val="dk1"/>
+          </a:fillRef>
+          <a:effectRef idx="1">
+            <a:schemeClr val="dk1"/>
+          </a:effectRef>
+          <a:fontRef idx="minor">
+            <a:schemeClr val="tx1"/>
+          </a:fontRef>
+        </p:style>
+      </p:cxnSp>
+      <p:grpSp>
+        <p:nvGrpSpPr>
+          <p:cNvPr id="6" name="Group 5">
+            <a:extLst>
+              <a:ext uri="{FF2B5EF4-FFF2-40B4-BE49-F238E27FC236}">
+                <a16:creationId xmlns:a16="http://schemas.microsoft.com/office/drawing/2014/main" id="{6AA9BC53-4C90-9B4D-AA31-0D7670B89118}"/>
+              </a:ext>
+            </a:extLst>
+          </p:cNvPr>
+          <p:cNvGrpSpPr/>
+          <p:nvPr/>
+        </p:nvGrpSpPr>
+        <p:grpSpPr>
+          <a:xfrm>
+            <a:off x="1480581" y="4213513"/>
+            <a:ext cx="1926279" cy="1802510"/>
+            <a:chOff x="2875965" y="2742840"/>
+            <a:chExt cx="1926279" cy="1802510"/>
+          </a:xfrm>
+        </p:grpSpPr>
+        <p:sp>
+          <p:nvSpPr>
+            <p:cNvPr id="7" name="Process 6">
+              <a:extLst>
+                <a:ext uri="{FF2B5EF4-FFF2-40B4-BE49-F238E27FC236}">
+                  <a16:creationId xmlns:a16="http://schemas.microsoft.com/office/drawing/2014/main" id="{8DE9723D-63EA-7B4B-9D3A-77B9E19B7F9D}"/>
+                </a:ext>
+              </a:extLst>
+            </p:cNvPr>
+            <p:cNvSpPr/>
+            <p:nvPr/>
+          </p:nvSpPr>
+          <p:spPr>
+            <a:xfrm>
+              <a:off x="2876884" y="3465350"/>
+              <a:ext cx="1925360" cy="1080000"/>
+            </a:xfrm>
+            <a:prstGeom prst="flowChartProcess">
+              <a:avLst/>
+            </a:prstGeom>
+            <a:solidFill>
+              <a:schemeClr val="accent6">
+                <a:lumMod val="20000"/>
+                <a:lumOff val="80000"/>
+              </a:schemeClr>
+            </a:solidFill>
+            <a:ln w="6350" cmpd="sng">
+              <a:noFill/>
+            </a:ln>
+          </p:spPr>
+          <p:style>
+            <a:lnRef idx="2">
+              <a:schemeClr val="dk1"/>
+            </a:lnRef>
+            <a:fillRef idx="1">
+              <a:schemeClr val="lt1"/>
+            </a:fillRef>
+            <a:effectRef idx="0">
+              <a:schemeClr val="dk1"/>
+            </a:effectRef>
+            <a:fontRef idx="minor">
+              <a:schemeClr val="dk1"/>
+            </a:fontRef>
+          </p:style>
+          <p:txBody>
+            <a:bodyPr rot="0" spcFirstLastPara="0" vertOverflow="overflow" horzOverflow="overflow" vert="horz" wrap="square" lIns="0" tIns="0" rIns="0" bIns="0" numCol="1" spcCol="0" rtlCol="0" fromWordArt="0" anchor="ctr" anchorCtr="0" forceAA="0" compatLnSpc="1">
+              <a:prstTxWarp prst="textNoShape">
+                <a:avLst/>
+              </a:prstTxWarp>
+              <a:noAutofit/>
+            </a:bodyPr>
+            <a:lstStyle/>
+            <a:p>
+              <a:pPr marL="0" lvl="1" algn="ctr"/>
+              <a:r>
+                <a:rPr lang="en-US" sz="1400" dirty="0">
+                  <a:latin typeface="Arial" panose="020B0604020202020204" pitchFamily="34" charset="0"/>
+                  <a:cs typeface="Arial" panose="020B0604020202020204" pitchFamily="34" charset="0"/>
+                </a:rPr>
+                <a:t>Existing domain</a:t>
+              </a:r>
+            </a:p>
+            <a:p>
+              <a:pPr marL="0" lvl="1" algn="ctr"/>
+              <a:r>
+                <a:rPr lang="en-US" sz="1400" dirty="0">
+                  <a:latin typeface="Arial" panose="020B0604020202020204" pitchFamily="34" charset="0"/>
+                  <a:cs typeface="Arial" panose="020B0604020202020204" pitchFamily="34" charset="0"/>
+                </a:rPr>
+                <a:t>models from PFAM</a:t>
+              </a:r>
+            </a:p>
+            <a:p>
+              <a:pPr marL="0" lvl="1" algn="ctr"/>
+              <a:r>
+                <a:rPr lang="en-US" sz="1400" dirty="0">
+                  <a:latin typeface="Arial" panose="020B0604020202020204" pitchFamily="34" charset="0"/>
+                  <a:cs typeface="Arial" panose="020B0604020202020204" pitchFamily="34" charset="0"/>
+                </a:rPr>
+                <a:t>(</a:t>
+              </a:r>
+              <a:r>
+                <a:rPr lang="en-US" sz="1400" dirty="0" err="1">
+                  <a:latin typeface="Courier" pitchFamily="2" charset="0"/>
+                  <a:cs typeface="Arial" panose="020B0604020202020204" pitchFamily="34" charset="0"/>
+                </a:rPr>
+                <a:t>Pfam-A.hmm</a:t>
+              </a:r>
+              <a:r>
+                <a:rPr lang="en-US" sz="1400" dirty="0">
+                  <a:latin typeface="Arial" panose="020B0604020202020204" pitchFamily="34" charset="0"/>
+                  <a:cs typeface="Arial" panose="020B0604020202020204" pitchFamily="34" charset="0"/>
+                </a:rPr>
+                <a:t>)</a:t>
+              </a:r>
+            </a:p>
+          </p:txBody>
+        </p:sp>
+        <p:sp>
+          <p:nvSpPr>
+            <p:cNvPr id="8" name="Process 7">
+              <a:extLst>
+                <a:ext uri="{FF2B5EF4-FFF2-40B4-BE49-F238E27FC236}">
+                  <a16:creationId xmlns:a16="http://schemas.microsoft.com/office/drawing/2014/main" id="{540E1A52-1A3D-C54A-9749-42A87E71F0D4}"/>
+                </a:ext>
+              </a:extLst>
+            </p:cNvPr>
+            <p:cNvSpPr/>
+            <p:nvPr/>
+          </p:nvSpPr>
+          <p:spPr>
+            <a:xfrm>
+              <a:off x="2875965" y="2742840"/>
+              <a:ext cx="1925360" cy="722512"/>
+            </a:xfrm>
+            <a:prstGeom prst="flowChartProcess">
+              <a:avLst/>
+            </a:prstGeom>
+            <a:ln w="6350" cmpd="sng"/>
+          </p:spPr>
+          <p:style>
+            <a:lnRef idx="2">
+              <a:schemeClr val="dk1"/>
+            </a:lnRef>
+            <a:fillRef idx="1">
+              <a:schemeClr val="lt1"/>
+            </a:fillRef>
+            <a:effectRef idx="0">
+              <a:schemeClr val="dk1"/>
+            </a:effectRef>
+            <a:fontRef idx="minor">
+              <a:schemeClr val="dk1"/>
+            </a:fontRef>
+          </p:style>
+          <p:txBody>
+            <a:bodyPr rot="0" spcFirstLastPara="0" vertOverflow="overflow" horzOverflow="overflow" vert="horz" wrap="square" lIns="0" tIns="0" rIns="0" bIns="0" numCol="1" spcCol="0" rtlCol="0" fromWordArt="0" anchor="ctr" anchorCtr="0" forceAA="0" compatLnSpc="1">
+              <a:prstTxWarp prst="textNoShape">
+                <a:avLst/>
+              </a:prstTxWarp>
+              <a:noAutofit/>
+            </a:bodyPr>
+            <a:lstStyle/>
+            <a:p>
+              <a:pPr algn="ctr"/>
+              <a:r>
+                <a:rPr lang="en-US" b="1" dirty="0">
+                  <a:latin typeface="Arial" panose="020B0604020202020204" pitchFamily="34" charset="0"/>
+                  <a:cs typeface="Arial" panose="020B0604020202020204" pitchFamily="34" charset="0"/>
+                </a:rPr>
+                <a:t>Domain models</a:t>
+              </a:r>
+            </a:p>
+          </p:txBody>
+        </p:sp>
+      </p:grpSp>
+      <p:grpSp>
+        <p:nvGrpSpPr>
+          <p:cNvPr id="9" name="Group 8">
+            <a:extLst>
+              <a:ext uri="{FF2B5EF4-FFF2-40B4-BE49-F238E27FC236}">
+                <a16:creationId xmlns:a16="http://schemas.microsoft.com/office/drawing/2014/main" id="{C6C33596-4169-134A-B49D-814497AC7510}"/>
+              </a:ext>
+            </a:extLst>
+          </p:cNvPr>
+          <p:cNvGrpSpPr/>
+          <p:nvPr/>
+        </p:nvGrpSpPr>
+        <p:grpSpPr>
+          <a:xfrm>
+            <a:off x="1481500" y="1801685"/>
+            <a:ext cx="1925360" cy="1781525"/>
+            <a:chOff x="542302" y="1782248"/>
+            <a:chExt cx="1925360" cy="1781525"/>
+          </a:xfrm>
+        </p:grpSpPr>
+        <p:sp>
+          <p:nvSpPr>
+            <p:cNvPr id="10" name="Process 9">
+              <a:extLst>
+                <a:ext uri="{FF2B5EF4-FFF2-40B4-BE49-F238E27FC236}">
+                  <a16:creationId xmlns:a16="http://schemas.microsoft.com/office/drawing/2014/main" id="{459B683D-AD37-2E4F-844A-5D93824A933C}"/>
+                </a:ext>
+              </a:extLst>
+            </p:cNvPr>
+            <p:cNvSpPr/>
+            <p:nvPr/>
+          </p:nvSpPr>
+          <p:spPr>
+            <a:xfrm>
+              <a:off x="542302" y="2483773"/>
+              <a:ext cx="1925360" cy="1080000"/>
+            </a:xfrm>
+            <a:prstGeom prst="flowChartProcess">
+              <a:avLst/>
+            </a:prstGeom>
+            <a:solidFill>
+              <a:schemeClr val="accent1">
+                <a:lumMod val="20000"/>
+                <a:lumOff val="80000"/>
+              </a:schemeClr>
+            </a:solidFill>
+            <a:ln w="6350" cmpd="sng">
+              <a:noFill/>
+            </a:ln>
+          </p:spPr>
+          <p:style>
+            <a:lnRef idx="2">
+              <a:schemeClr val="dk1"/>
+            </a:lnRef>
+            <a:fillRef idx="1">
+              <a:schemeClr val="lt1"/>
+            </a:fillRef>
+            <a:effectRef idx="0">
+              <a:schemeClr val="dk1"/>
+            </a:effectRef>
+            <a:fontRef idx="minor">
+              <a:schemeClr val="dk1"/>
+            </a:fontRef>
+          </p:style>
+          <p:txBody>
+            <a:bodyPr rot="0" spcFirstLastPara="0" vertOverflow="overflow" horzOverflow="overflow" vert="horz" wrap="square" lIns="0" tIns="0" rIns="0" bIns="0" numCol="1" spcCol="0" rtlCol="0" fromWordArt="0" anchor="ctr" anchorCtr="0" forceAA="0" compatLnSpc="1">
+              <a:prstTxWarp prst="textNoShape">
+                <a:avLst/>
+              </a:prstTxWarp>
+              <a:noAutofit/>
+            </a:bodyPr>
+            <a:lstStyle/>
+            <a:p>
+              <a:pPr algn="ctr"/>
+              <a:r>
+                <a:rPr lang="en-US" sz="1400" dirty="0">
+                  <a:latin typeface="Arial" panose="020B0604020202020204" pitchFamily="34" charset="0"/>
+                  <a:cs typeface="Arial" panose="020B0604020202020204" pitchFamily="34" charset="0"/>
+                </a:rPr>
+                <a:t>Test DNA reads (~150nt) translated into amino acids (~50aa)</a:t>
+              </a:r>
+              <a:endParaRPr lang="en-US" sz="1400" dirty="0">
+                <a:latin typeface="Arial"/>
+                <a:cs typeface="Arial"/>
+              </a:endParaRPr>
+            </a:p>
+          </p:txBody>
+        </p:sp>
+        <p:sp>
+          <p:nvSpPr>
+            <p:cNvPr id="11" name="Process 10">
+              <a:extLst>
+                <a:ext uri="{FF2B5EF4-FFF2-40B4-BE49-F238E27FC236}">
+                  <a16:creationId xmlns:a16="http://schemas.microsoft.com/office/drawing/2014/main" id="{4115E5EC-361D-4A40-8F52-CCD421D5A23E}"/>
+                </a:ext>
+              </a:extLst>
+            </p:cNvPr>
+            <p:cNvSpPr/>
+            <p:nvPr/>
+          </p:nvSpPr>
+          <p:spPr>
+            <a:xfrm>
+              <a:off x="542302" y="1782248"/>
+              <a:ext cx="1925360" cy="722512"/>
+            </a:xfrm>
+            <a:prstGeom prst="flowChartProcess">
+              <a:avLst/>
+            </a:prstGeom>
+            <a:ln w="6350" cmpd="sng"/>
+          </p:spPr>
+          <p:style>
+            <a:lnRef idx="2">
+              <a:schemeClr val="dk1"/>
+            </a:lnRef>
+            <a:fillRef idx="1">
+              <a:schemeClr val="lt1"/>
+            </a:fillRef>
+            <a:effectRef idx="0">
+              <a:schemeClr val="dk1"/>
+            </a:effectRef>
+            <a:fontRef idx="minor">
+              <a:schemeClr val="dk1"/>
+            </a:fontRef>
+          </p:style>
+          <p:txBody>
+            <a:bodyPr rot="0" spcFirstLastPara="0" vertOverflow="overflow" horzOverflow="overflow" vert="horz" wrap="square" lIns="0" tIns="0" rIns="0" bIns="0" numCol="1" spcCol="0" rtlCol="0" fromWordArt="0" anchor="ctr" anchorCtr="0" forceAA="0" compatLnSpc="1">
+              <a:prstTxWarp prst="textNoShape">
+                <a:avLst/>
+              </a:prstTxWarp>
+              <a:noAutofit/>
+            </a:bodyPr>
+            <a:lstStyle/>
+            <a:p>
+              <a:pPr algn="ctr"/>
+              <a:r>
+                <a:rPr lang="en-US" b="1" dirty="0">
+                  <a:latin typeface="Arial"/>
+                  <a:cs typeface="Arial"/>
+                </a:rPr>
+                <a:t>Query</a:t>
+              </a:r>
+            </a:p>
+            <a:p>
+              <a:pPr algn="ctr"/>
+              <a:r>
+                <a:rPr lang="en-US" b="1" dirty="0">
+                  <a:latin typeface="Arial"/>
+                  <a:cs typeface="Arial"/>
+                </a:rPr>
+                <a:t>sequences</a:t>
+              </a:r>
+            </a:p>
+          </p:txBody>
+        </p:sp>
+      </p:grpSp>
+      <p:grpSp>
+        <p:nvGrpSpPr>
+          <p:cNvPr id="12" name="Group 11">
+            <a:extLst>
+              <a:ext uri="{FF2B5EF4-FFF2-40B4-BE49-F238E27FC236}">
+                <a16:creationId xmlns:a16="http://schemas.microsoft.com/office/drawing/2014/main" id="{65923F2C-071D-7444-94E7-AF70D7C92CF1}"/>
+              </a:ext>
+            </a:extLst>
+          </p:cNvPr>
+          <p:cNvGrpSpPr/>
+          <p:nvPr/>
+        </p:nvGrpSpPr>
+        <p:grpSpPr>
+          <a:xfrm>
+            <a:off x="8869889" y="3066716"/>
+            <a:ext cx="1925360" cy="1802512"/>
+            <a:chOff x="8787941" y="4917030"/>
+            <a:chExt cx="1925360" cy="1802512"/>
+          </a:xfrm>
+        </p:grpSpPr>
+        <p:sp>
+          <p:nvSpPr>
+            <p:cNvPr id="13" name="Process 12">
+              <a:extLst>
+                <a:ext uri="{FF2B5EF4-FFF2-40B4-BE49-F238E27FC236}">
+                  <a16:creationId xmlns:a16="http://schemas.microsoft.com/office/drawing/2014/main" id="{0B2916EA-AA2F-F540-B582-18510C849DAC}"/>
+                </a:ext>
+              </a:extLst>
+            </p:cNvPr>
+            <p:cNvSpPr/>
+            <p:nvPr/>
+          </p:nvSpPr>
+          <p:spPr>
+            <a:xfrm>
+              <a:off x="8787941" y="5639542"/>
+              <a:ext cx="1925360" cy="1080000"/>
+            </a:xfrm>
+            <a:prstGeom prst="flowChartProcess">
+              <a:avLst/>
+            </a:prstGeom>
+            <a:solidFill>
+              <a:srgbClr val="FED7DA"/>
+            </a:solidFill>
+            <a:ln w="6350" cmpd="sng">
+              <a:noFill/>
+            </a:ln>
+          </p:spPr>
+          <p:style>
+            <a:lnRef idx="2">
+              <a:schemeClr val="dk1"/>
+            </a:lnRef>
+            <a:fillRef idx="1">
+              <a:schemeClr val="lt1"/>
+            </a:fillRef>
+            <a:effectRef idx="0">
+              <a:schemeClr val="dk1"/>
+            </a:effectRef>
+            <a:fontRef idx="minor">
+              <a:schemeClr val="dk1"/>
+            </a:fontRef>
+          </p:style>
+          <p:txBody>
+            <a:bodyPr rot="0" spcFirstLastPara="0" vertOverflow="overflow" horzOverflow="overflow" vert="horz" wrap="square" lIns="0" tIns="0" rIns="0" bIns="0" numCol="1" spcCol="0" rtlCol="0" fromWordArt="0" anchor="ctr" anchorCtr="0" forceAA="0" compatLnSpc="1">
+              <a:prstTxWarp prst="textNoShape">
+                <a:avLst/>
+              </a:prstTxWarp>
+              <a:noAutofit/>
+            </a:bodyPr>
+            <a:lstStyle/>
+            <a:p>
+              <a:pPr marL="0" lvl="1"/>
+              <a:r>
+                <a:rPr lang="en-US" sz="1400" dirty="0">
+                  <a:latin typeface="Arial"/>
+                  <a:cs typeface="Arial"/>
+                </a:rPr>
+                <a:t>  Annotations:</a:t>
+              </a:r>
+            </a:p>
+            <a:p>
+              <a:pPr marL="0" lvl="1"/>
+              <a:r>
+                <a:rPr lang="en-US" sz="1400" dirty="0">
+                  <a:latin typeface="Arial"/>
+                  <a:cs typeface="Arial"/>
+                </a:rPr>
+                <a:t>    - Known domain IDs</a:t>
+              </a:r>
+            </a:p>
+            <a:p>
+              <a:pPr marL="0" lvl="1"/>
+              <a:r>
+                <a:rPr lang="en-US" sz="1400" dirty="0">
+                  <a:latin typeface="Arial"/>
+                  <a:cs typeface="Arial"/>
+                </a:rPr>
+                <a:t>    - Contig locations</a:t>
+              </a:r>
+            </a:p>
+            <a:p>
+              <a:pPr marL="0" lvl="1"/>
+              <a:r>
+                <a:rPr lang="en-US" sz="1400" dirty="0">
+                  <a:latin typeface="Arial"/>
+                  <a:cs typeface="Arial"/>
+                </a:rPr>
+                <a:t>    - Scores</a:t>
+              </a:r>
+            </a:p>
+          </p:txBody>
+        </p:sp>
+        <p:sp>
+          <p:nvSpPr>
+            <p:cNvPr id="14" name="Process 13">
+              <a:extLst>
+                <a:ext uri="{FF2B5EF4-FFF2-40B4-BE49-F238E27FC236}">
+                  <a16:creationId xmlns:a16="http://schemas.microsoft.com/office/drawing/2014/main" id="{6F66F3C4-495C-4F44-B88A-86FDDF430289}"/>
+                </a:ext>
+              </a:extLst>
+            </p:cNvPr>
+            <p:cNvSpPr/>
+            <p:nvPr/>
+          </p:nvSpPr>
+          <p:spPr>
+            <a:xfrm>
+              <a:off x="8787941" y="4917030"/>
+              <a:ext cx="1925360" cy="722512"/>
+            </a:xfrm>
+            <a:prstGeom prst="flowChartProcess">
+              <a:avLst/>
+            </a:prstGeom>
+            <a:ln w="6350" cmpd="sng"/>
+          </p:spPr>
+          <p:style>
+            <a:lnRef idx="2">
+              <a:schemeClr val="dk1"/>
+            </a:lnRef>
+            <a:fillRef idx="1">
+              <a:schemeClr val="lt1"/>
+            </a:fillRef>
+            <a:effectRef idx="0">
+              <a:schemeClr val="dk1"/>
+            </a:effectRef>
+            <a:fontRef idx="minor">
+              <a:schemeClr val="dk1"/>
+            </a:fontRef>
+          </p:style>
+          <p:txBody>
+            <a:bodyPr rot="0" spcFirstLastPara="0" vertOverflow="overflow" horzOverflow="overflow" vert="horz" wrap="square" lIns="0" tIns="0" rIns="0" bIns="0" numCol="1" spcCol="0" rtlCol="0" fromWordArt="0" anchor="ctr" anchorCtr="0" forceAA="0" compatLnSpc="1">
+              <a:prstTxWarp prst="textNoShape">
+                <a:avLst/>
+              </a:prstTxWarp>
+              <a:noAutofit/>
+            </a:bodyPr>
+            <a:lstStyle/>
+            <a:p>
+              <a:pPr algn="ctr"/>
+              <a:r>
+                <a:rPr lang="en-US" b="1" dirty="0">
+                  <a:latin typeface="Arial"/>
+                  <a:cs typeface="Arial"/>
+                </a:rPr>
+                <a:t>Output</a:t>
+              </a:r>
+            </a:p>
+          </p:txBody>
+        </p:sp>
+      </p:grpSp>
+      <p:grpSp>
+        <p:nvGrpSpPr>
+          <p:cNvPr id="15" name="Group 14">
+            <a:extLst>
+              <a:ext uri="{FF2B5EF4-FFF2-40B4-BE49-F238E27FC236}">
+                <a16:creationId xmlns:a16="http://schemas.microsoft.com/office/drawing/2014/main" id="{8F12873D-3F31-AD43-9C9A-0EDCEF9475F2}"/>
+              </a:ext>
+            </a:extLst>
+          </p:cNvPr>
+          <p:cNvGrpSpPr/>
+          <p:nvPr/>
+        </p:nvGrpSpPr>
+        <p:grpSpPr>
+          <a:xfrm>
+            <a:off x="5458467" y="3067744"/>
+            <a:ext cx="1925724" cy="1802512"/>
+            <a:chOff x="5885139" y="3993158"/>
+            <a:chExt cx="1925724" cy="1802512"/>
+          </a:xfrm>
+        </p:grpSpPr>
+        <p:sp>
+          <p:nvSpPr>
+            <p:cNvPr id="16" name="Process 15">
+              <a:extLst>
+                <a:ext uri="{FF2B5EF4-FFF2-40B4-BE49-F238E27FC236}">
+                  <a16:creationId xmlns:a16="http://schemas.microsoft.com/office/drawing/2014/main" id="{F81BD3DD-0396-5D40-B725-826F252E67CB}"/>
+                </a:ext>
+              </a:extLst>
+            </p:cNvPr>
+            <p:cNvSpPr/>
+            <p:nvPr/>
+          </p:nvSpPr>
+          <p:spPr>
+            <a:xfrm>
+              <a:off x="5885503" y="4715670"/>
+              <a:ext cx="1925360" cy="1080000"/>
+            </a:xfrm>
+            <a:prstGeom prst="flowChartProcess">
+              <a:avLst/>
+            </a:prstGeom>
+            <a:solidFill>
+              <a:schemeClr val="accent4">
+                <a:lumMod val="20000"/>
+                <a:lumOff val="80000"/>
+              </a:schemeClr>
+            </a:solidFill>
+            <a:ln w="6350" cmpd="sng">
+              <a:noFill/>
+            </a:ln>
+          </p:spPr>
+          <p:style>
+            <a:lnRef idx="2">
+              <a:schemeClr val="dk1"/>
+            </a:lnRef>
+            <a:fillRef idx="1">
+              <a:schemeClr val="lt1"/>
+            </a:fillRef>
+            <a:effectRef idx="0">
+              <a:schemeClr val="dk1"/>
+            </a:effectRef>
+            <a:fontRef idx="minor">
+              <a:schemeClr val="dk1"/>
+            </a:fontRef>
+          </p:style>
+          <p:txBody>
+            <a:bodyPr rot="0" spcFirstLastPara="0" vertOverflow="overflow" horzOverflow="overflow" vert="horz" wrap="square" lIns="0" tIns="0" rIns="0" bIns="0" numCol="1" spcCol="0" rtlCol="0" fromWordArt="0" anchor="ctr" anchorCtr="0" forceAA="0" compatLnSpc="1">
+              <a:prstTxWarp prst="textNoShape">
+                <a:avLst/>
+              </a:prstTxWarp>
+              <a:noAutofit/>
+            </a:bodyPr>
+            <a:lstStyle/>
+            <a:p>
+              <a:pPr algn="ctr"/>
+              <a:r>
+                <a:rPr lang="en-US" sz="1400" dirty="0">
+                  <a:latin typeface="Arial" panose="020B0604020202020204" pitchFamily="34" charset="0"/>
+                  <a:cs typeface="Arial" panose="020B0604020202020204" pitchFamily="34" charset="0"/>
+                </a:rPr>
+                <a:t>Scan short peptides using </a:t>
+              </a:r>
+              <a:r>
+                <a:rPr lang="en-US" sz="1400" dirty="0" err="1">
+                  <a:latin typeface="Courier" pitchFamily="2" charset="0"/>
+                  <a:cs typeface="Arial" panose="020B0604020202020204" pitchFamily="34" charset="0"/>
+                </a:rPr>
+                <a:t>hmmscan</a:t>
+              </a:r>
+              <a:endParaRPr lang="en-US" sz="1400" dirty="0">
+                <a:latin typeface="Courier" pitchFamily="2" charset="0"/>
+                <a:cs typeface="Arial" panose="020B0604020202020204" pitchFamily="34" charset="0"/>
+              </a:endParaRPr>
+            </a:p>
+          </p:txBody>
+        </p:sp>
+        <p:sp>
+          <p:nvSpPr>
+            <p:cNvPr id="17" name="Process 16">
+              <a:extLst>
+                <a:ext uri="{FF2B5EF4-FFF2-40B4-BE49-F238E27FC236}">
+                  <a16:creationId xmlns:a16="http://schemas.microsoft.com/office/drawing/2014/main" id="{F283A123-0BA3-FA4B-A472-610E63F6C396}"/>
+                </a:ext>
+              </a:extLst>
+            </p:cNvPr>
+            <p:cNvSpPr/>
+            <p:nvPr/>
+          </p:nvSpPr>
+          <p:spPr>
+            <a:xfrm>
+              <a:off x="5885139" y="3993158"/>
+              <a:ext cx="1925360" cy="722512"/>
+            </a:xfrm>
+            <a:prstGeom prst="flowChartProcess">
+              <a:avLst/>
+            </a:prstGeom>
+            <a:ln w="6350" cmpd="sng"/>
+          </p:spPr>
+          <p:style>
+            <a:lnRef idx="2">
+              <a:schemeClr val="dk1"/>
+            </a:lnRef>
+            <a:fillRef idx="1">
+              <a:schemeClr val="lt1"/>
+            </a:fillRef>
+            <a:effectRef idx="0">
+              <a:schemeClr val="dk1"/>
+            </a:effectRef>
+            <a:fontRef idx="minor">
+              <a:schemeClr val="dk1"/>
+            </a:fontRef>
+          </p:style>
+          <p:txBody>
+            <a:bodyPr rot="0" spcFirstLastPara="0" vertOverflow="overflow" horzOverflow="overflow" vert="horz" wrap="square" lIns="0" tIns="0" rIns="0" bIns="0" numCol="1" spcCol="0" rtlCol="0" fromWordArt="0" anchor="ctr" anchorCtr="0" forceAA="0" compatLnSpc="1">
+              <a:prstTxWarp prst="textNoShape">
+                <a:avLst/>
+              </a:prstTxWarp>
+              <a:noAutofit/>
+            </a:bodyPr>
+            <a:lstStyle/>
+            <a:p>
+              <a:pPr algn="ctr"/>
+              <a:r>
+                <a:rPr lang="en-US" b="1" dirty="0">
+                  <a:latin typeface="Arial" panose="020B0604020202020204" pitchFamily="34" charset="0"/>
+                  <a:cs typeface="Arial" panose="020B0604020202020204" pitchFamily="34" charset="0"/>
+                </a:rPr>
+                <a:t>Domain search</a:t>
+              </a:r>
+            </a:p>
+          </p:txBody>
+        </p:sp>
+      </p:grpSp>
+      <p:grpSp>
+        <p:nvGrpSpPr>
+          <p:cNvPr id="20" name="Group 19">
+            <a:extLst>
+              <a:ext uri="{FF2B5EF4-FFF2-40B4-BE49-F238E27FC236}">
+                <a16:creationId xmlns:a16="http://schemas.microsoft.com/office/drawing/2014/main" id="{146AC7E3-9896-A74F-A48E-B94225ABB29E}"/>
+              </a:ext>
+            </a:extLst>
+          </p:cNvPr>
+          <p:cNvGrpSpPr/>
+          <p:nvPr/>
+        </p:nvGrpSpPr>
+        <p:grpSpPr>
+          <a:xfrm>
+            <a:off x="5797308" y="5231512"/>
+            <a:ext cx="1402145" cy="827809"/>
+            <a:chOff x="5797308" y="5231512"/>
+            <a:chExt cx="1402145" cy="827809"/>
+          </a:xfrm>
+        </p:grpSpPr>
+        <p:pic>
+          <p:nvPicPr>
+            <p:cNvPr id="18" name="Picture 2" descr="HMMER logo">
+              <a:hlinkClick r:id="rId2" tooltip="Back to HMMER homepage"/>
+              <a:extLst>
+                <a:ext uri="{FF2B5EF4-FFF2-40B4-BE49-F238E27FC236}">
+                  <a16:creationId xmlns:a16="http://schemas.microsoft.com/office/drawing/2014/main" id="{DDB19B2E-28FE-FB42-A28E-4903834EAB9C}"/>
+                </a:ext>
+              </a:extLst>
+            </p:cNvPr>
+            <p:cNvPicPr>
+              <a:picLocks noChangeAspect="1" noChangeArrowheads="1"/>
+            </p:cNvPicPr>
+            <p:nvPr/>
+          </p:nvPicPr>
+          <p:blipFill>
+            <a:blip r:embed="rId3">
+              <a:extLst>
+                <a:ext uri="{28A0092B-C50C-407E-A947-70E740481C1C}">
+                  <a14:useLocalDpi xmlns:a14="http://schemas.microsoft.com/office/drawing/2010/main" val="0"/>
+                </a:ext>
+              </a:extLst>
+            </a:blip>
+            <a:srcRect/>
+            <a:stretch>
+              <a:fillRect/>
+            </a:stretch>
+          </p:blipFill>
+          <p:spPr bwMode="auto">
+            <a:xfrm>
+              <a:off x="5797308" y="5231512"/>
+              <a:ext cx="343666" cy="827809"/>
+            </a:xfrm>
+            <a:prstGeom prst="rect">
+              <a:avLst/>
+            </a:prstGeom>
+            <a:noFill/>
+            <a:extLst>
+              <a:ext uri="{909E8E84-426E-40DD-AFC4-6F175D3DCCD1}">
+                <a14:hiddenFill xmlns:a14="http://schemas.microsoft.com/office/drawing/2010/main">
+                  <a:solidFill>
+                    <a:srgbClr val="FFFFFF"/>
+                  </a:solidFill>
+                </a14:hiddenFill>
+              </a:ext>
+            </a:extLst>
+          </p:spPr>
+        </p:pic>
+        <p:sp>
+          <p:nvSpPr>
+            <p:cNvPr id="19" name="Process 18">
+              <a:extLst>
+                <a:ext uri="{FF2B5EF4-FFF2-40B4-BE49-F238E27FC236}">
+                  <a16:creationId xmlns:a16="http://schemas.microsoft.com/office/drawing/2014/main" id="{3942AD4A-C238-7C49-A85A-143718640574}"/>
+                </a:ext>
+              </a:extLst>
+            </p:cNvPr>
+            <p:cNvSpPr/>
+            <p:nvPr/>
+          </p:nvSpPr>
+          <p:spPr>
+            <a:xfrm>
+              <a:off x="6247796" y="5314006"/>
+              <a:ext cx="951657" cy="722512"/>
+            </a:xfrm>
+            <a:prstGeom prst="flowChartProcess">
+              <a:avLst/>
+            </a:prstGeom>
+            <a:ln w="6350" cmpd="sng">
+              <a:noFill/>
+            </a:ln>
+          </p:spPr>
+          <p:style>
+            <a:lnRef idx="2">
+              <a:schemeClr val="dk1"/>
+            </a:lnRef>
+            <a:fillRef idx="1">
+              <a:schemeClr val="lt1"/>
+            </a:fillRef>
+            <a:effectRef idx="0">
+              <a:schemeClr val="dk1"/>
+            </a:effectRef>
+            <a:fontRef idx="minor">
+              <a:schemeClr val="dk1"/>
+            </a:fontRef>
+          </p:style>
+          <p:txBody>
+            <a:bodyPr rot="0" spcFirstLastPara="0" vertOverflow="overflow" horzOverflow="overflow" vert="horz" wrap="square" lIns="0" tIns="0" rIns="0" bIns="0" numCol="1" spcCol="0" rtlCol="0" fromWordArt="0" anchor="ctr" anchorCtr="0" forceAA="0" compatLnSpc="1">
+              <a:prstTxWarp prst="textNoShape">
+                <a:avLst/>
+              </a:prstTxWarp>
+              <a:noAutofit/>
+            </a:bodyPr>
+            <a:lstStyle/>
+            <a:p>
+              <a:r>
+                <a:rPr lang="en-US" b="1" dirty="0">
+                  <a:latin typeface="Arial" panose="020B0604020202020204" pitchFamily="34" charset="0"/>
+                  <a:cs typeface="Arial" panose="020B0604020202020204" pitchFamily="34" charset="0"/>
+                </a:rPr>
+                <a:t>HMMER</a:t>
+              </a:r>
+            </a:p>
+          </p:txBody>
+        </p:sp>
+      </p:grpSp>
+    </p:spTree>
+    <p:extLst>
+      <p:ext uri="{BB962C8B-B14F-4D97-AF65-F5344CB8AC3E}">
+        <p14:creationId xmlns:p14="http://schemas.microsoft.com/office/powerpoint/2010/main" val="3052207121"/>
+      </p:ext>
+    </p:extLst>
+  </p:cSld>
+  <p:clrMapOvr>
+    <a:masterClrMapping/>
+  </p:clrMapOvr>
+</p:sld>
+</file>
+
+<file path=ppt/slides/slide5.xml><?xml version="1.0" encoding="utf-8"?>
+<p:sld xmlns:a="http://schemas.openxmlformats.org/drawingml/2006/main" xmlns:r="http://schemas.openxmlformats.org/officeDocument/2006/relationships" xmlns:p="http://schemas.openxmlformats.org/presentationml/2006/main">
+  <p:cSld>
+    <p:spTree>
+      <p:nvGrpSpPr>
+        <p:cNvPr id="1" name=""/>
+        <p:cNvGrpSpPr/>
+        <p:nvPr/>
+      </p:nvGrpSpPr>
+      <p:grpSpPr>
+        <a:xfrm>
+          <a:off x="0" y="0"/>
+          <a:ext cx="0" cy="0"/>
+          <a:chOff x="0" y="0"/>
+          <a:chExt cx="0" cy="0"/>
+        </a:xfrm>
+      </p:grpSpPr>
+      <p:sp>
+        <p:nvSpPr>
+          <p:cNvPr id="2" name="TextBox 1">
+            <a:extLst>
+              <a:ext uri="{FF2B5EF4-FFF2-40B4-BE49-F238E27FC236}">
+                <a16:creationId xmlns:a16="http://schemas.microsoft.com/office/drawing/2014/main" id="{2A1E74F7-FF76-AE47-A13E-F84E97D9D854}"/>
+              </a:ext>
+            </a:extLst>
+          </p:cNvPr>
+          <p:cNvSpPr txBox="1"/>
+          <p:nvPr/>
+        </p:nvSpPr>
+        <p:spPr>
+          <a:xfrm>
+            <a:off x="468630" y="390843"/>
+            <a:ext cx="11276765" cy="646331"/>
+          </a:xfrm>
+          <a:prstGeom prst="rect">
+            <a:avLst/>
+          </a:prstGeom>
+          <a:noFill/>
+        </p:spPr>
+        <p:txBody>
+          <a:bodyPr wrap="square" rtlCol="0">
+            <a:spAutoFit/>
+          </a:bodyPr>
+          <a:lstStyle/>
+          <a:p>
+            <a:pPr algn="ctr"/>
+            <a:r>
+              <a:rPr lang="en-US" sz="3600" b="1" i="1" dirty="0">
+                <a:latin typeface="Arial" panose="020B0604020202020204" pitchFamily="34" charset="0"/>
+                <a:cs typeface="Arial" panose="020B0604020202020204" pitchFamily="34" charset="0"/>
+              </a:rPr>
+              <a:t>Domains found in small peptides (HHV-1)</a:t>
+            </a:r>
+          </a:p>
+        </p:txBody>
+      </p:sp>
+      <p:sp>
+        <p:nvSpPr>
+          <p:cNvPr id="18" name="Process 17">
+            <a:extLst>
+              <a:ext uri="{FF2B5EF4-FFF2-40B4-BE49-F238E27FC236}">
+                <a16:creationId xmlns:a16="http://schemas.microsoft.com/office/drawing/2014/main" id="{F1404903-8EC1-F446-B709-30E39488B296}"/>
+              </a:ext>
+            </a:extLst>
+          </p:cNvPr>
+          <p:cNvSpPr/>
+          <p:nvPr/>
+        </p:nvSpPr>
+        <p:spPr>
+          <a:xfrm>
+            <a:off x="1206507" y="1223010"/>
+            <a:ext cx="2896864" cy="5532120"/>
+          </a:xfrm>
+          <a:prstGeom prst="flowChartProcess">
+            <a:avLst/>
+          </a:prstGeom>
+          <a:solidFill>
+            <a:schemeClr val="bg1">
+              <a:lumMod val="95000"/>
+            </a:schemeClr>
+          </a:solidFill>
+          <a:ln w="6350" cmpd="sng">
+            <a:noFill/>
+          </a:ln>
+        </p:spPr>
+        <p:style>
+          <a:lnRef idx="2">
+            <a:schemeClr val="dk1"/>
+          </a:lnRef>
+          <a:fillRef idx="1">
+            <a:schemeClr val="lt1"/>
+          </a:fillRef>
+          <a:effectRef idx="0">
+            <a:schemeClr val="dk1"/>
+          </a:effectRef>
+          <a:fontRef idx="minor">
+            <a:schemeClr val="dk1"/>
+          </a:fontRef>
+        </p:style>
+        <p:txBody>
+          <a:bodyPr rot="0" spcFirstLastPara="0" vertOverflow="overflow" horzOverflow="overflow" vert="horz" wrap="square" lIns="0" tIns="0" rIns="0" bIns="0" numCol="1" spcCol="0" rtlCol="0" fromWordArt="0" anchor="ctr" anchorCtr="0" forceAA="0" compatLnSpc="1">
+            <a:prstTxWarp prst="textNoShape">
+              <a:avLst/>
+            </a:prstTxWarp>
+            <a:noAutofit/>
+          </a:bodyPr>
+          <a:lstStyle/>
+          <a:p>
+            <a:pPr algn="ctr"/>
+            <a:r>
+              <a:rPr lang="en-US" sz="1300" dirty="0" err="1">
+                <a:latin typeface="Arial" panose="020B0604020202020204" pitchFamily="34" charset="0"/>
+                <a:cs typeface="Arial" panose="020B0604020202020204" pitchFamily="34" charset="0"/>
+              </a:rPr>
+              <a:t>Alpha_TIF</a:t>
+            </a:r>
+            <a:r>
+              <a:rPr lang="en-US" sz="1300" dirty="0">
+                <a:latin typeface="Arial" panose="020B0604020202020204" pitchFamily="34" charset="0"/>
+                <a:cs typeface="Arial" panose="020B0604020202020204" pitchFamily="34" charset="0"/>
+              </a:rPr>
+              <a:t>(PF02232)</a:t>
+            </a:r>
+          </a:p>
+          <a:p>
+            <a:pPr algn="ctr"/>
+            <a:r>
+              <a:rPr lang="en-US" sz="1300" dirty="0">
+                <a:latin typeface="Arial" panose="020B0604020202020204" pitchFamily="34" charset="0"/>
+                <a:cs typeface="Arial" panose="020B0604020202020204" pitchFamily="34" charset="0"/>
+              </a:rPr>
+              <a:t>Collagen(PF01391)</a:t>
+            </a:r>
+          </a:p>
+          <a:p>
+            <a:pPr algn="ctr"/>
+            <a:r>
+              <a:rPr lang="en-US" sz="1300" dirty="0" err="1">
+                <a:latin typeface="Arial" panose="020B0604020202020204" pitchFamily="34" charset="0"/>
+                <a:cs typeface="Arial" panose="020B0604020202020204" pitchFamily="34" charset="0"/>
+              </a:rPr>
+              <a:t>DNA_pack_C</a:t>
+            </a:r>
+            <a:r>
+              <a:rPr lang="en-US" sz="1300" dirty="0">
+                <a:latin typeface="Arial" panose="020B0604020202020204" pitchFamily="34" charset="0"/>
+                <a:cs typeface="Arial" panose="020B0604020202020204" pitchFamily="34" charset="0"/>
+              </a:rPr>
+              <a:t>(PF02499)</a:t>
+            </a:r>
+          </a:p>
+          <a:p>
+            <a:pPr algn="ctr"/>
+            <a:r>
+              <a:rPr lang="en-US" sz="1300" dirty="0" err="1">
+                <a:latin typeface="Arial" panose="020B0604020202020204" pitchFamily="34" charset="0"/>
+                <a:cs typeface="Arial" panose="020B0604020202020204" pitchFamily="34" charset="0"/>
+              </a:rPr>
+              <a:t>DNA_pack_N</a:t>
+            </a:r>
+            <a:r>
+              <a:rPr lang="en-US" sz="1300" dirty="0">
+                <a:latin typeface="Arial" panose="020B0604020202020204" pitchFamily="34" charset="0"/>
+                <a:cs typeface="Arial" panose="020B0604020202020204" pitchFamily="34" charset="0"/>
+              </a:rPr>
+              <a:t>(PF02500)</a:t>
+            </a:r>
+          </a:p>
+          <a:p>
+            <a:pPr algn="ctr"/>
+            <a:r>
+              <a:rPr lang="en-US" sz="1300" dirty="0">
+                <a:latin typeface="Arial" panose="020B0604020202020204" pitchFamily="34" charset="0"/>
+                <a:cs typeface="Arial" panose="020B0604020202020204" pitchFamily="34" charset="0"/>
+              </a:rPr>
+              <a:t>DNA_pol_B_exo1(PF03104)</a:t>
+            </a:r>
+          </a:p>
+          <a:p>
+            <a:pPr algn="ctr"/>
+            <a:r>
+              <a:rPr lang="en-US" sz="1300" dirty="0" err="1">
+                <a:latin typeface="Arial" panose="020B0604020202020204" pitchFamily="34" charset="0"/>
+                <a:cs typeface="Arial" panose="020B0604020202020204" pitchFamily="34" charset="0"/>
+              </a:rPr>
+              <a:t>DNA_pol_B</a:t>
+            </a:r>
+            <a:r>
+              <a:rPr lang="en-US" sz="1300" dirty="0">
+                <a:latin typeface="Arial" panose="020B0604020202020204" pitchFamily="34" charset="0"/>
+                <a:cs typeface="Arial" panose="020B0604020202020204" pitchFamily="34" charset="0"/>
+              </a:rPr>
+              <a:t>(PF00136)</a:t>
+            </a:r>
+          </a:p>
+          <a:p>
+            <a:pPr algn="ctr"/>
+            <a:r>
+              <a:rPr lang="en-US" sz="1300" dirty="0" err="1">
+                <a:latin typeface="Arial" panose="020B0604020202020204" pitchFamily="34" charset="0"/>
+                <a:cs typeface="Arial" panose="020B0604020202020204" pitchFamily="34" charset="0"/>
+              </a:rPr>
+              <a:t>dUTPase</a:t>
+            </a:r>
+            <a:r>
+              <a:rPr lang="en-US" sz="1300" dirty="0">
+                <a:latin typeface="Arial" panose="020B0604020202020204" pitchFamily="34" charset="0"/>
+                <a:cs typeface="Arial" panose="020B0604020202020204" pitchFamily="34" charset="0"/>
+              </a:rPr>
+              <a:t>(PF00692)</a:t>
+            </a:r>
+          </a:p>
+          <a:p>
+            <a:pPr algn="ctr"/>
+            <a:r>
+              <a:rPr lang="en-US" sz="1300" dirty="0" err="1">
+                <a:latin typeface="Arial" panose="020B0604020202020204" pitchFamily="34" charset="0"/>
+                <a:cs typeface="Arial" panose="020B0604020202020204" pitchFamily="34" charset="0"/>
+              </a:rPr>
+              <a:t>Fusion_gly_K</a:t>
+            </a:r>
+            <a:r>
+              <a:rPr lang="en-US" sz="1300" dirty="0">
+                <a:latin typeface="Arial" panose="020B0604020202020204" pitchFamily="34" charset="0"/>
+                <a:cs typeface="Arial" panose="020B0604020202020204" pitchFamily="34" charset="0"/>
+              </a:rPr>
+              <a:t>(PF01621)</a:t>
+            </a:r>
+          </a:p>
+          <a:p>
+            <a:pPr algn="ctr"/>
+            <a:r>
+              <a:rPr lang="en-US" sz="1300" dirty="0">
+                <a:latin typeface="Arial" panose="020B0604020202020204" pitchFamily="34" charset="0"/>
+                <a:cs typeface="Arial" panose="020B0604020202020204" pitchFamily="34" charset="0"/>
+              </a:rPr>
+              <a:t>Glycoprot_B_PH1(PF17416)</a:t>
+            </a:r>
+          </a:p>
+          <a:p>
+            <a:pPr algn="ctr"/>
+            <a:r>
+              <a:rPr lang="en-US" sz="1300" dirty="0">
+                <a:latin typeface="Arial" panose="020B0604020202020204" pitchFamily="34" charset="0"/>
+                <a:cs typeface="Arial" panose="020B0604020202020204" pitchFamily="34" charset="0"/>
+              </a:rPr>
+              <a:t>Glycoprot_B_PH2(PF17417)</a:t>
+            </a:r>
+          </a:p>
+          <a:p>
+            <a:pPr algn="ctr"/>
+            <a:r>
+              <a:rPr lang="en-US" sz="1300" dirty="0" err="1">
+                <a:latin typeface="Arial" panose="020B0604020202020204" pitchFamily="34" charset="0"/>
+                <a:cs typeface="Arial" panose="020B0604020202020204" pitchFamily="34" charset="0"/>
+              </a:rPr>
+              <a:t>Glycoprotein_B</a:t>
+            </a:r>
+            <a:r>
+              <a:rPr lang="en-US" sz="1300" dirty="0">
+                <a:latin typeface="Arial" panose="020B0604020202020204" pitchFamily="34" charset="0"/>
+                <a:cs typeface="Arial" panose="020B0604020202020204" pitchFamily="34" charset="0"/>
+              </a:rPr>
+              <a:t>(PF00606)</a:t>
+            </a:r>
+          </a:p>
+          <a:p>
+            <a:pPr algn="ctr"/>
+            <a:r>
+              <a:rPr lang="en-US" sz="1300" dirty="0" err="1">
+                <a:latin typeface="Arial" panose="020B0604020202020204" pitchFamily="34" charset="0"/>
+                <a:cs typeface="Arial" panose="020B0604020202020204" pitchFamily="34" charset="0"/>
+              </a:rPr>
+              <a:t>GlyL_C</a:t>
+            </a:r>
+            <a:r>
+              <a:rPr lang="en-US" sz="1300" dirty="0">
+                <a:latin typeface="Arial" panose="020B0604020202020204" pitchFamily="34" charset="0"/>
+                <a:cs typeface="Arial" panose="020B0604020202020204" pitchFamily="34" charset="0"/>
+              </a:rPr>
+              <a:t>(PF12524)</a:t>
+            </a:r>
+          </a:p>
+          <a:p>
+            <a:pPr algn="ctr"/>
+            <a:r>
+              <a:rPr lang="en-US" sz="1300" dirty="0" err="1">
+                <a:latin typeface="Arial" panose="020B0604020202020204" pitchFamily="34" charset="0"/>
+                <a:cs typeface="Arial" panose="020B0604020202020204" pitchFamily="34" charset="0"/>
+              </a:rPr>
+              <a:t>Herpes_env</a:t>
+            </a:r>
+            <a:r>
+              <a:rPr lang="en-US" sz="1300" dirty="0">
+                <a:latin typeface="Arial" panose="020B0604020202020204" pitchFamily="34" charset="0"/>
+                <a:cs typeface="Arial" panose="020B0604020202020204" pitchFamily="34" charset="0"/>
+              </a:rPr>
+              <a:t>(PF01673)</a:t>
+            </a:r>
+          </a:p>
+          <a:p>
+            <a:pPr algn="ctr"/>
+            <a:r>
+              <a:rPr lang="en-US" sz="1300" dirty="0" err="1">
+                <a:latin typeface="Arial" panose="020B0604020202020204" pitchFamily="34" charset="0"/>
+                <a:cs typeface="Arial" panose="020B0604020202020204" pitchFamily="34" charset="0"/>
+              </a:rPr>
+              <a:t>Herpes_gE</a:t>
+            </a:r>
+            <a:r>
+              <a:rPr lang="en-US" sz="1300" dirty="0">
+                <a:latin typeface="Arial" panose="020B0604020202020204" pitchFamily="34" charset="0"/>
+                <a:cs typeface="Arial" panose="020B0604020202020204" pitchFamily="34" charset="0"/>
+              </a:rPr>
+              <a:t>(PF02480)</a:t>
+            </a:r>
+          </a:p>
+          <a:p>
+            <a:pPr algn="ctr"/>
+            <a:r>
+              <a:rPr lang="en-US" sz="1300" dirty="0" err="1">
+                <a:latin typeface="Arial" panose="020B0604020202020204" pitchFamily="34" charset="0"/>
+                <a:cs typeface="Arial" panose="020B0604020202020204" pitchFamily="34" charset="0"/>
+              </a:rPr>
+              <a:t>Herpes_gI</a:t>
+            </a:r>
+            <a:r>
+              <a:rPr lang="en-US" sz="1300" dirty="0">
+                <a:latin typeface="Arial" panose="020B0604020202020204" pitchFamily="34" charset="0"/>
+                <a:cs typeface="Arial" panose="020B0604020202020204" pitchFamily="34" charset="0"/>
+              </a:rPr>
+              <a:t>(PF01688)</a:t>
+            </a:r>
+          </a:p>
+          <a:p>
+            <a:pPr algn="ctr"/>
+            <a:r>
+              <a:rPr lang="en-US" sz="1300" dirty="0" err="1">
+                <a:latin typeface="Arial" panose="020B0604020202020204" pitchFamily="34" charset="0"/>
+                <a:cs typeface="Arial" panose="020B0604020202020204" pitchFamily="34" charset="0"/>
+              </a:rPr>
+              <a:t>Herpes_glycop_D</a:t>
+            </a:r>
+            <a:r>
+              <a:rPr lang="en-US" sz="1300" dirty="0">
+                <a:latin typeface="Arial" panose="020B0604020202020204" pitchFamily="34" charset="0"/>
+                <a:cs typeface="Arial" panose="020B0604020202020204" pitchFamily="34" charset="0"/>
+              </a:rPr>
+              <a:t>(PF01537)</a:t>
+            </a:r>
+          </a:p>
+          <a:p>
+            <a:pPr algn="ctr"/>
+            <a:r>
+              <a:rPr lang="en-US" sz="1300" dirty="0" err="1">
+                <a:latin typeface="Arial" panose="020B0604020202020204" pitchFamily="34" charset="0"/>
+                <a:cs typeface="Arial" panose="020B0604020202020204" pitchFamily="34" charset="0"/>
+              </a:rPr>
+              <a:t>Herpes_glycop</a:t>
+            </a:r>
+            <a:r>
+              <a:rPr lang="en-US" sz="1300" dirty="0">
+                <a:latin typeface="Arial" panose="020B0604020202020204" pitchFamily="34" charset="0"/>
+                <a:cs typeface="Arial" panose="020B0604020202020204" pitchFamily="34" charset="0"/>
+              </a:rPr>
+              <a:t>(PF01528)</a:t>
+            </a:r>
+          </a:p>
+          <a:p>
+            <a:pPr algn="ctr"/>
+            <a:r>
+              <a:rPr lang="en-US" sz="1300" dirty="0" err="1">
+                <a:latin typeface="Arial" panose="020B0604020202020204" pitchFamily="34" charset="0"/>
+                <a:cs typeface="Arial" panose="020B0604020202020204" pitchFamily="34" charset="0"/>
+              </a:rPr>
+              <a:t>Herpes_Helicase</a:t>
+            </a:r>
+            <a:r>
+              <a:rPr lang="en-US" sz="1300" dirty="0">
+                <a:latin typeface="Arial" panose="020B0604020202020204" pitchFamily="34" charset="0"/>
+                <a:cs typeface="Arial" panose="020B0604020202020204" pitchFamily="34" charset="0"/>
+              </a:rPr>
+              <a:t>(PF02689)</a:t>
+            </a:r>
+          </a:p>
+          <a:p>
+            <a:pPr algn="ctr"/>
+            <a:r>
+              <a:rPr lang="en-US" sz="1300" dirty="0" err="1">
+                <a:latin typeface="Arial" panose="020B0604020202020204" pitchFamily="34" charset="0"/>
+                <a:cs typeface="Arial" panose="020B0604020202020204" pitchFamily="34" charset="0"/>
+              </a:rPr>
+              <a:t>Herpes_HEPA</a:t>
+            </a:r>
+            <a:r>
+              <a:rPr lang="en-US" sz="1300" dirty="0">
+                <a:latin typeface="Arial" panose="020B0604020202020204" pitchFamily="34" charset="0"/>
+                <a:cs typeface="Arial" panose="020B0604020202020204" pitchFamily="34" charset="0"/>
+              </a:rPr>
+              <a:t>(PF03324)</a:t>
+            </a:r>
+          </a:p>
+          <a:p>
+            <a:pPr algn="ctr"/>
+            <a:r>
+              <a:rPr lang="en-US" sz="1300" dirty="0">
+                <a:latin typeface="Arial" panose="020B0604020202020204" pitchFamily="34" charset="0"/>
+                <a:cs typeface="Arial" panose="020B0604020202020204" pitchFamily="34" charset="0"/>
+              </a:rPr>
+              <a:t>Herpes_ICP4_C(PF03585)</a:t>
+            </a:r>
+          </a:p>
+          <a:p>
+            <a:pPr algn="ctr"/>
+            <a:r>
+              <a:rPr lang="en-US" sz="1300" dirty="0">
+                <a:latin typeface="Arial" panose="020B0604020202020204" pitchFamily="34" charset="0"/>
+                <a:cs typeface="Arial" panose="020B0604020202020204" pitchFamily="34" charset="0"/>
+              </a:rPr>
+              <a:t>Herpes_ICP4_N(PF03584)</a:t>
+            </a:r>
+          </a:p>
+          <a:p>
+            <a:pPr algn="ctr"/>
+            <a:r>
+              <a:rPr lang="en-US" sz="1300" dirty="0">
+                <a:latin typeface="Arial" panose="020B0604020202020204" pitchFamily="34" charset="0"/>
+                <a:cs typeface="Arial" panose="020B0604020202020204" pitchFamily="34" charset="0"/>
+              </a:rPr>
+              <a:t>Herpes_IE68(PF02479)</a:t>
+            </a:r>
+          </a:p>
+          <a:p>
+            <a:pPr algn="ctr"/>
+            <a:r>
+              <a:rPr lang="en-US" sz="1300" dirty="0" err="1">
+                <a:latin typeface="Arial" panose="020B0604020202020204" pitchFamily="34" charset="0"/>
+                <a:cs typeface="Arial" panose="020B0604020202020204" pitchFamily="34" charset="0"/>
+              </a:rPr>
+              <a:t>Herpes_MCP</a:t>
+            </a:r>
+            <a:r>
+              <a:rPr lang="en-US" sz="1300" dirty="0">
+                <a:latin typeface="Arial" panose="020B0604020202020204" pitchFamily="34" charset="0"/>
+                <a:cs typeface="Arial" panose="020B0604020202020204" pitchFamily="34" charset="0"/>
+              </a:rPr>
+              <a:t>(PF03122)</a:t>
+            </a:r>
+          </a:p>
+          <a:p>
+            <a:pPr algn="ctr"/>
+            <a:r>
+              <a:rPr lang="en-US" sz="1300" dirty="0" err="1">
+                <a:latin typeface="Arial" panose="020B0604020202020204" pitchFamily="34" charset="0"/>
+                <a:cs typeface="Arial" panose="020B0604020202020204" pitchFamily="34" charset="0"/>
+              </a:rPr>
+              <a:t>Herpes_ori_bp</a:t>
+            </a:r>
+            <a:r>
+              <a:rPr lang="en-US" sz="1300" dirty="0">
+                <a:latin typeface="Arial" panose="020B0604020202020204" pitchFamily="34" charset="0"/>
+                <a:cs typeface="Arial" panose="020B0604020202020204" pitchFamily="34" charset="0"/>
+              </a:rPr>
+              <a:t>(PF02399)</a:t>
+            </a:r>
+          </a:p>
+          <a:p>
+            <a:pPr algn="ctr"/>
+            <a:r>
+              <a:rPr lang="en-US" sz="1300" dirty="0" err="1">
+                <a:latin typeface="Arial" panose="020B0604020202020204" pitchFamily="34" charset="0"/>
+                <a:cs typeface="Arial" panose="020B0604020202020204" pitchFamily="34" charset="0"/>
+              </a:rPr>
+              <a:t>Herpes_teg_N</a:t>
+            </a:r>
+            <a:r>
+              <a:rPr lang="en-US" sz="1300" dirty="0">
+                <a:latin typeface="Arial" panose="020B0604020202020204" pitchFamily="34" charset="0"/>
+                <a:cs typeface="Arial" panose="020B0604020202020204" pitchFamily="34" charset="0"/>
+              </a:rPr>
+              <a:t>(PF04843)</a:t>
+            </a:r>
+          </a:p>
+        </p:txBody>
+      </p:sp>
+      <p:sp>
+        <p:nvSpPr>
+          <p:cNvPr id="19" name="Process 18">
+            <a:extLst>
+              <a:ext uri="{FF2B5EF4-FFF2-40B4-BE49-F238E27FC236}">
+                <a16:creationId xmlns:a16="http://schemas.microsoft.com/office/drawing/2014/main" id="{CC7F25BD-8DAF-BD4E-8931-4060826F699B}"/>
+              </a:ext>
+            </a:extLst>
+          </p:cNvPr>
+          <p:cNvSpPr/>
+          <p:nvPr/>
+        </p:nvSpPr>
+        <p:spPr>
+          <a:xfrm>
+            <a:off x="4464057" y="1223010"/>
+            <a:ext cx="2896864" cy="5532120"/>
+          </a:xfrm>
+          <a:prstGeom prst="flowChartProcess">
+            <a:avLst/>
+          </a:prstGeom>
+          <a:solidFill>
+            <a:schemeClr val="bg1">
+              <a:lumMod val="95000"/>
+            </a:schemeClr>
+          </a:solidFill>
+          <a:ln w="6350" cmpd="sng">
+            <a:noFill/>
+          </a:ln>
+        </p:spPr>
+        <p:style>
+          <a:lnRef idx="2">
+            <a:schemeClr val="dk1"/>
+          </a:lnRef>
+          <a:fillRef idx="1">
+            <a:schemeClr val="lt1"/>
+          </a:fillRef>
+          <a:effectRef idx="0">
+            <a:schemeClr val="dk1"/>
+          </a:effectRef>
+          <a:fontRef idx="minor">
+            <a:schemeClr val="dk1"/>
+          </a:fontRef>
+        </p:style>
+        <p:txBody>
+          <a:bodyPr rot="0" spcFirstLastPara="0" vertOverflow="overflow" horzOverflow="overflow" vert="horz" wrap="square" lIns="0" tIns="0" rIns="0" bIns="0" numCol="1" spcCol="0" rtlCol="0" fromWordArt="0" anchor="ctr" anchorCtr="0" forceAA="0" compatLnSpc="1">
+            <a:prstTxWarp prst="textNoShape">
+              <a:avLst/>
+            </a:prstTxWarp>
+            <a:noAutofit/>
+          </a:bodyPr>
+          <a:lstStyle/>
+          <a:p>
+            <a:pPr algn="ctr"/>
+            <a:r>
+              <a:rPr lang="en-US" sz="1300" dirty="0" err="1">
+                <a:latin typeface="Arial" panose="020B0604020202020204" pitchFamily="34" charset="0"/>
+                <a:cs typeface="Arial" panose="020B0604020202020204" pitchFamily="34" charset="0"/>
+              </a:rPr>
+              <a:t>Herpes_TK</a:t>
+            </a:r>
+            <a:r>
+              <a:rPr lang="en-US" sz="1300" dirty="0">
+                <a:latin typeface="Arial" panose="020B0604020202020204" pitchFamily="34" charset="0"/>
+                <a:cs typeface="Arial" panose="020B0604020202020204" pitchFamily="34" charset="0"/>
+              </a:rPr>
+              <a:t>(PF00693)</a:t>
+            </a:r>
+          </a:p>
+          <a:p>
+            <a:pPr algn="ctr"/>
+            <a:r>
+              <a:rPr lang="en-US" sz="1300" dirty="0">
+                <a:latin typeface="Arial" panose="020B0604020202020204" pitchFamily="34" charset="0"/>
+                <a:cs typeface="Arial" panose="020B0604020202020204" pitchFamily="34" charset="0"/>
+              </a:rPr>
+              <a:t>Herpes_U34(PF04541)</a:t>
+            </a:r>
+          </a:p>
+          <a:p>
+            <a:pPr algn="ctr"/>
+            <a:r>
+              <a:rPr lang="en-US" sz="1300" dirty="0">
+                <a:latin typeface="Arial" panose="020B0604020202020204" pitchFamily="34" charset="0"/>
+                <a:cs typeface="Arial" panose="020B0604020202020204" pitchFamily="34" charset="0"/>
+              </a:rPr>
+              <a:t>Herpes_UL1(PF05259)</a:t>
+            </a:r>
+          </a:p>
+          <a:p>
+            <a:pPr algn="ctr"/>
+            <a:r>
+              <a:rPr lang="en-US" sz="1300" dirty="0">
+                <a:latin typeface="Arial" panose="020B0604020202020204" pitchFamily="34" charset="0"/>
+                <a:cs typeface="Arial" panose="020B0604020202020204" pitchFamily="34" charset="0"/>
+              </a:rPr>
+              <a:t>Herpes_UL14(PF03580)</a:t>
+            </a:r>
+          </a:p>
+          <a:p>
+            <a:pPr algn="ctr"/>
+            <a:r>
+              <a:rPr lang="en-US" sz="1300" dirty="0">
+                <a:latin typeface="Arial" panose="020B0604020202020204" pitchFamily="34" charset="0"/>
+                <a:cs typeface="Arial" panose="020B0604020202020204" pitchFamily="34" charset="0"/>
+              </a:rPr>
+              <a:t>Herpes_UL16(PF03044)</a:t>
+            </a:r>
+          </a:p>
+          <a:p>
+            <a:pPr algn="ctr"/>
+            <a:r>
+              <a:rPr lang="en-US" sz="1300" dirty="0">
+                <a:latin typeface="Arial" panose="020B0604020202020204" pitchFamily="34" charset="0"/>
+                <a:cs typeface="Arial" panose="020B0604020202020204" pitchFamily="34" charset="0"/>
+              </a:rPr>
+              <a:t>Herpes_UL17(PF04559)</a:t>
+            </a:r>
+          </a:p>
+          <a:p>
+            <a:pPr algn="ctr"/>
+            <a:r>
+              <a:rPr lang="en-US" sz="1300" dirty="0">
+                <a:latin typeface="Arial" panose="020B0604020202020204" pitchFamily="34" charset="0"/>
+                <a:cs typeface="Arial" panose="020B0604020202020204" pitchFamily="34" charset="0"/>
+              </a:rPr>
+              <a:t>Herpes_UL20(PF04544)</a:t>
+            </a:r>
+          </a:p>
+          <a:p>
+            <a:pPr algn="ctr"/>
+            <a:r>
+              <a:rPr lang="en-US" sz="1300" dirty="0">
+                <a:latin typeface="Arial" panose="020B0604020202020204" pitchFamily="34" charset="0"/>
+                <a:cs typeface="Arial" panose="020B0604020202020204" pitchFamily="34" charset="0"/>
+              </a:rPr>
+              <a:t>Herpes_UL21(PF03252)</a:t>
+            </a:r>
+          </a:p>
+          <a:p>
+            <a:pPr algn="ctr"/>
+            <a:r>
+              <a:rPr lang="en-US" sz="1300" dirty="0">
+                <a:latin typeface="Arial" panose="020B0604020202020204" pitchFamily="34" charset="0"/>
+                <a:cs typeface="Arial" panose="020B0604020202020204" pitchFamily="34" charset="0"/>
+              </a:rPr>
+              <a:t>Herpes_UL24(PF01646)</a:t>
+            </a:r>
+          </a:p>
+          <a:p>
+            <a:pPr algn="ctr"/>
+            <a:r>
+              <a:rPr lang="en-US" sz="1300" dirty="0">
+                <a:latin typeface="Arial" panose="020B0604020202020204" pitchFamily="34" charset="0"/>
+                <a:cs typeface="Arial" panose="020B0604020202020204" pitchFamily="34" charset="0"/>
+              </a:rPr>
+              <a:t>Herpes_UL25(PF01499)</a:t>
+            </a:r>
+          </a:p>
+          <a:p>
+            <a:pPr algn="ctr"/>
+            <a:r>
+              <a:rPr lang="en-US" sz="1300" dirty="0">
+                <a:latin typeface="Arial" panose="020B0604020202020204" pitchFamily="34" charset="0"/>
+                <a:cs typeface="Arial" panose="020B0604020202020204" pitchFamily="34" charset="0"/>
+              </a:rPr>
+              <a:t>Herpes_UL3(PF03369)</a:t>
+            </a:r>
+          </a:p>
+          <a:p>
+            <a:pPr algn="ctr"/>
+            <a:r>
+              <a:rPr lang="en-US" sz="1300" dirty="0">
+                <a:latin typeface="Arial" panose="020B0604020202020204" pitchFamily="34" charset="0"/>
+                <a:cs typeface="Arial" panose="020B0604020202020204" pitchFamily="34" charset="0"/>
+              </a:rPr>
+              <a:t>Herpes_UL31(PF02718)</a:t>
+            </a:r>
+          </a:p>
+          <a:p>
+            <a:pPr algn="ctr"/>
+            <a:r>
+              <a:rPr lang="en-US" sz="1300" dirty="0">
+                <a:latin typeface="Arial" panose="020B0604020202020204" pitchFamily="34" charset="0"/>
+                <a:cs typeface="Arial" panose="020B0604020202020204" pitchFamily="34" charset="0"/>
+              </a:rPr>
+              <a:t>Herpes_UL33(PF03581)</a:t>
+            </a:r>
+          </a:p>
+          <a:p>
+            <a:pPr algn="ctr"/>
+            <a:r>
+              <a:rPr lang="en-US" sz="1300" dirty="0">
+                <a:latin typeface="Arial" panose="020B0604020202020204" pitchFamily="34" charset="0"/>
+                <a:cs typeface="Arial" panose="020B0604020202020204" pitchFamily="34" charset="0"/>
+              </a:rPr>
+              <a:t>Herpes_UL35(PF04496)</a:t>
+            </a:r>
+          </a:p>
+          <a:p>
+            <a:pPr algn="ctr"/>
+            <a:r>
+              <a:rPr lang="en-US" sz="1300" dirty="0">
+                <a:latin typeface="Arial" panose="020B0604020202020204" pitchFamily="34" charset="0"/>
+                <a:cs typeface="Arial" panose="020B0604020202020204" pitchFamily="34" charset="0"/>
+              </a:rPr>
+              <a:t>Herpes_UL36(PF03586)</a:t>
+            </a:r>
+          </a:p>
+          <a:p>
+            <a:pPr algn="ctr"/>
+            <a:r>
+              <a:rPr lang="en-US" sz="1300" dirty="0">
+                <a:latin typeface="Arial" panose="020B0604020202020204" pitchFamily="34" charset="0"/>
+                <a:cs typeface="Arial" panose="020B0604020202020204" pitchFamily="34" charset="0"/>
+              </a:rPr>
+              <a:t>Herpes_UL37_1(PF03970)</a:t>
+            </a:r>
+          </a:p>
+          <a:p>
+            <a:pPr algn="ctr"/>
+            <a:r>
+              <a:rPr lang="en-US" sz="1300" dirty="0">
+                <a:latin typeface="Arial" panose="020B0604020202020204" pitchFamily="34" charset="0"/>
+                <a:cs typeface="Arial" panose="020B0604020202020204" pitchFamily="34" charset="0"/>
+              </a:rPr>
+              <a:t>Herpes_UL4(PF03277)</a:t>
+            </a:r>
+          </a:p>
+          <a:p>
+            <a:pPr algn="ctr"/>
+            <a:r>
+              <a:rPr lang="en-US" sz="1300" dirty="0">
+                <a:latin typeface="Arial" panose="020B0604020202020204" pitchFamily="34" charset="0"/>
+                <a:cs typeface="Arial" panose="020B0604020202020204" pitchFamily="34" charset="0"/>
+              </a:rPr>
+              <a:t>Herpes_UL42(PF02282)</a:t>
+            </a:r>
+          </a:p>
+          <a:p>
+            <a:pPr algn="ctr"/>
+            <a:r>
+              <a:rPr lang="en-US" sz="1300" dirty="0">
+                <a:latin typeface="Arial" panose="020B0604020202020204" pitchFamily="34" charset="0"/>
+                <a:cs typeface="Arial" panose="020B0604020202020204" pitchFamily="34" charset="0"/>
+              </a:rPr>
+              <a:t>Herpes_UL43(PF05072)</a:t>
+            </a:r>
+          </a:p>
+          <a:p>
+            <a:pPr algn="ctr"/>
+            <a:r>
+              <a:rPr lang="en-US" sz="1300" dirty="0">
+                <a:latin typeface="Arial" panose="020B0604020202020204" pitchFamily="34" charset="0"/>
+                <a:cs typeface="Arial" panose="020B0604020202020204" pitchFamily="34" charset="0"/>
+              </a:rPr>
+              <a:t>Herpes_UL46(PF03387)</a:t>
+            </a:r>
+          </a:p>
+          <a:p>
+            <a:pPr algn="ctr"/>
+            <a:r>
+              <a:rPr lang="en-US" sz="1300" dirty="0">
+                <a:latin typeface="Arial" panose="020B0604020202020204" pitchFamily="34" charset="0"/>
+                <a:cs typeface="Arial" panose="020B0604020202020204" pitchFamily="34" charset="0"/>
+              </a:rPr>
+              <a:t>Herpes_UL49_2(PF04823)</a:t>
+            </a:r>
+          </a:p>
+          <a:p>
+            <a:pPr algn="ctr"/>
+            <a:r>
+              <a:rPr lang="en-US" sz="1300" dirty="0">
+                <a:latin typeface="Arial" panose="020B0604020202020204" pitchFamily="34" charset="0"/>
+                <a:cs typeface="Arial" panose="020B0604020202020204" pitchFamily="34" charset="0"/>
+              </a:rPr>
+              <a:t>Herpes_UL51(PF04540)</a:t>
+            </a:r>
+          </a:p>
+          <a:p>
+            <a:pPr algn="ctr"/>
+            <a:r>
+              <a:rPr lang="en-US" sz="1300" dirty="0">
+                <a:latin typeface="Arial" panose="020B0604020202020204" pitchFamily="34" charset="0"/>
+                <a:cs typeface="Arial" panose="020B0604020202020204" pitchFamily="34" charset="0"/>
+              </a:rPr>
+              <a:t>Herpes_UL52(PF03121)</a:t>
+            </a:r>
+          </a:p>
+          <a:p>
+            <a:pPr algn="ctr"/>
+            <a:r>
+              <a:rPr lang="en-US" sz="1300" dirty="0">
+                <a:latin typeface="Arial" panose="020B0604020202020204" pitchFamily="34" charset="0"/>
+                <a:cs typeface="Arial" panose="020B0604020202020204" pitchFamily="34" charset="0"/>
+              </a:rPr>
+              <a:t>Herpes_UL55(PF04537)</a:t>
+            </a:r>
+          </a:p>
+          <a:p>
+            <a:pPr algn="ctr"/>
+            <a:r>
+              <a:rPr lang="en-US" sz="1300" dirty="0">
+                <a:latin typeface="Arial" panose="020B0604020202020204" pitchFamily="34" charset="0"/>
+                <a:cs typeface="Arial" panose="020B0604020202020204" pitchFamily="34" charset="0"/>
+              </a:rPr>
+              <a:t>Herpes_UL56(PF04534)</a:t>
+            </a:r>
+          </a:p>
+        </p:txBody>
+      </p:sp>
+      <p:sp>
+        <p:nvSpPr>
+          <p:cNvPr id="20" name="Process 19">
+            <a:extLst>
+              <a:ext uri="{FF2B5EF4-FFF2-40B4-BE49-F238E27FC236}">
+                <a16:creationId xmlns:a16="http://schemas.microsoft.com/office/drawing/2014/main" id="{BBF5455F-4931-8E4D-8BD0-7E45BA600AB2}"/>
+              </a:ext>
+            </a:extLst>
+          </p:cNvPr>
+          <p:cNvSpPr/>
+          <p:nvPr/>
+        </p:nvSpPr>
+        <p:spPr>
+          <a:xfrm>
+            <a:off x="7790187" y="1223010"/>
+            <a:ext cx="2896864" cy="5532120"/>
+          </a:xfrm>
+          <a:prstGeom prst="flowChartProcess">
+            <a:avLst/>
+          </a:prstGeom>
+          <a:solidFill>
+            <a:schemeClr val="bg1">
+              <a:lumMod val="95000"/>
+            </a:schemeClr>
+          </a:solidFill>
+          <a:ln w="6350" cmpd="sng">
+            <a:noFill/>
+          </a:ln>
+        </p:spPr>
+        <p:style>
+          <a:lnRef idx="2">
+            <a:schemeClr val="dk1"/>
+          </a:lnRef>
+          <a:fillRef idx="1">
+            <a:schemeClr val="lt1"/>
+          </a:fillRef>
+          <a:effectRef idx="0">
+            <a:schemeClr val="dk1"/>
+          </a:effectRef>
+          <a:fontRef idx="minor">
+            <a:schemeClr val="dk1"/>
+          </a:fontRef>
+        </p:style>
+        <p:txBody>
+          <a:bodyPr rot="0" spcFirstLastPara="0" vertOverflow="overflow" horzOverflow="overflow" vert="horz" wrap="square" lIns="0" tIns="0" rIns="0" bIns="0" numCol="1" spcCol="0" rtlCol="0" fromWordArt="0" anchor="ctr" anchorCtr="0" forceAA="0" compatLnSpc="1">
+            <a:prstTxWarp prst="textNoShape">
+              <a:avLst/>
+            </a:prstTxWarp>
+            <a:noAutofit/>
+          </a:bodyPr>
+          <a:lstStyle/>
+          <a:p>
+            <a:pPr algn="ctr"/>
+            <a:endParaRPr lang="en-US" sz="1300" dirty="0">
+              <a:latin typeface="Arial" panose="020B0604020202020204" pitchFamily="34" charset="0"/>
+              <a:cs typeface="Arial" panose="020B0604020202020204" pitchFamily="34" charset="0"/>
+            </a:endParaRPr>
+          </a:p>
+          <a:p>
+            <a:pPr algn="ctr"/>
+            <a:r>
+              <a:rPr lang="en-US" sz="1300" dirty="0">
+                <a:latin typeface="Arial" panose="020B0604020202020204" pitchFamily="34" charset="0"/>
+                <a:cs typeface="Arial" panose="020B0604020202020204" pitchFamily="34" charset="0"/>
+              </a:rPr>
+              <a:t>Herpes_UL6(PF01763)</a:t>
+            </a:r>
+          </a:p>
+          <a:p>
+            <a:pPr algn="ctr"/>
+            <a:r>
+              <a:rPr lang="en-US" sz="1300" dirty="0">
+                <a:latin typeface="Arial" panose="020B0604020202020204" pitchFamily="34" charset="0"/>
+                <a:cs typeface="Arial" panose="020B0604020202020204" pitchFamily="34" charset="0"/>
+              </a:rPr>
+              <a:t>Herpes_UL7(PF01677)</a:t>
+            </a:r>
+          </a:p>
+          <a:p>
+            <a:pPr algn="ctr"/>
+            <a:r>
+              <a:rPr lang="en-US" sz="1300" dirty="0">
+                <a:latin typeface="Arial" panose="020B0604020202020204" pitchFamily="34" charset="0"/>
+                <a:cs typeface="Arial" panose="020B0604020202020204" pitchFamily="34" charset="0"/>
+              </a:rPr>
+              <a:t>Herpes_US12(PF05363)</a:t>
+            </a:r>
+          </a:p>
+          <a:p>
+            <a:pPr algn="ctr"/>
+            <a:r>
+              <a:rPr lang="en-US" sz="1300" dirty="0">
+                <a:latin typeface="Arial" panose="020B0604020202020204" pitchFamily="34" charset="0"/>
+                <a:cs typeface="Arial" panose="020B0604020202020204" pitchFamily="34" charset="0"/>
+              </a:rPr>
+              <a:t>Herpes_US9(PF06072)</a:t>
+            </a:r>
+          </a:p>
+          <a:p>
+            <a:pPr algn="ctr"/>
+            <a:r>
+              <a:rPr lang="en-US" sz="1300" dirty="0">
+                <a:latin typeface="Arial" panose="020B0604020202020204" pitchFamily="34" charset="0"/>
+                <a:cs typeface="Arial" panose="020B0604020202020204" pitchFamily="34" charset="0"/>
+              </a:rPr>
+              <a:t>Herpes_V23(PF01802)</a:t>
+            </a:r>
+          </a:p>
+          <a:p>
+            <a:pPr algn="ctr"/>
+            <a:r>
+              <a:rPr lang="en-US" sz="1300" dirty="0">
+                <a:latin typeface="Arial" panose="020B0604020202020204" pitchFamily="34" charset="0"/>
+                <a:cs typeface="Arial" panose="020B0604020202020204" pitchFamily="34" charset="0"/>
+              </a:rPr>
+              <a:t>Herpes_VP19C(PF03327)</a:t>
+            </a:r>
+          </a:p>
+          <a:p>
+            <a:pPr algn="ctr"/>
+            <a:r>
+              <a:rPr lang="en-US" sz="1300" dirty="0">
+                <a:latin typeface="Arial" panose="020B0604020202020204" pitchFamily="34" charset="0"/>
+                <a:cs typeface="Arial" panose="020B0604020202020204" pitchFamily="34" charset="0"/>
+              </a:rPr>
+              <a:t>HHV-1_VABD(PF16852)</a:t>
+            </a:r>
+          </a:p>
+          <a:p>
+            <a:pPr algn="ctr"/>
+            <a:r>
+              <a:rPr lang="en-US" sz="1300" dirty="0" err="1">
+                <a:latin typeface="Arial" panose="020B0604020202020204" pitchFamily="34" charset="0"/>
+                <a:cs typeface="Arial" panose="020B0604020202020204" pitchFamily="34" charset="0"/>
+              </a:rPr>
+              <a:t>Marek_A</a:t>
+            </a:r>
+            <a:r>
+              <a:rPr lang="en-US" sz="1300" dirty="0">
+                <a:latin typeface="Arial" panose="020B0604020202020204" pitchFamily="34" charset="0"/>
+                <a:cs typeface="Arial" panose="020B0604020202020204" pitchFamily="34" charset="0"/>
+              </a:rPr>
+              <a:t>(PF02124)</a:t>
+            </a:r>
+          </a:p>
+          <a:p>
+            <a:pPr algn="ctr"/>
+            <a:r>
+              <a:rPr lang="en-US" sz="1300" dirty="0">
+                <a:latin typeface="Arial" panose="020B0604020202020204" pitchFamily="34" charset="0"/>
+                <a:cs typeface="Arial" panose="020B0604020202020204" pitchFamily="34" charset="0"/>
+              </a:rPr>
+              <a:t>NAD_binding_2(PF03446)</a:t>
+            </a:r>
+          </a:p>
+          <a:p>
+            <a:pPr algn="ctr"/>
+            <a:r>
+              <a:rPr lang="en-US" sz="1300" dirty="0">
+                <a:latin typeface="Arial" panose="020B0604020202020204" pitchFamily="34" charset="0"/>
+                <a:cs typeface="Arial" panose="020B0604020202020204" pitchFamily="34" charset="0"/>
+              </a:rPr>
+              <a:t>Peptidase_S21(PF00716)</a:t>
+            </a:r>
+          </a:p>
+          <a:p>
+            <a:pPr algn="ctr"/>
+            <a:r>
+              <a:rPr lang="en-US" sz="1300" dirty="0" err="1">
+                <a:latin typeface="Arial" panose="020B0604020202020204" pitchFamily="34" charset="0"/>
+                <a:cs typeface="Arial" panose="020B0604020202020204" pitchFamily="34" charset="0"/>
+              </a:rPr>
+              <a:t>Pkinase_Tyr</a:t>
+            </a:r>
+            <a:r>
+              <a:rPr lang="en-US" sz="1300" dirty="0">
+                <a:latin typeface="Arial" panose="020B0604020202020204" pitchFamily="34" charset="0"/>
+                <a:cs typeface="Arial" panose="020B0604020202020204" pitchFamily="34" charset="0"/>
+              </a:rPr>
+              <a:t>(PF07714)</a:t>
+            </a:r>
+          </a:p>
+          <a:p>
+            <a:pPr algn="ctr"/>
+            <a:r>
+              <a:rPr lang="en-US" sz="1300" dirty="0" err="1">
+                <a:latin typeface="Arial" panose="020B0604020202020204" pitchFamily="34" charset="0"/>
+                <a:cs typeface="Arial" panose="020B0604020202020204" pitchFamily="34" charset="0"/>
+              </a:rPr>
+              <a:t>Pkinase</a:t>
+            </a:r>
+            <a:r>
+              <a:rPr lang="en-US" sz="1300" dirty="0">
+                <a:latin typeface="Arial" panose="020B0604020202020204" pitchFamily="34" charset="0"/>
+                <a:cs typeface="Arial" panose="020B0604020202020204" pitchFamily="34" charset="0"/>
+              </a:rPr>
+              <a:t>(PF00069)</a:t>
+            </a:r>
+          </a:p>
+          <a:p>
+            <a:pPr algn="ctr"/>
+            <a:r>
+              <a:rPr lang="en-US" sz="1300" dirty="0">
+                <a:latin typeface="Arial" panose="020B0604020202020204" pitchFamily="34" charset="0"/>
+                <a:cs typeface="Arial" panose="020B0604020202020204" pitchFamily="34" charset="0"/>
+              </a:rPr>
+              <a:t>PP1c_bdg(PF10488)</a:t>
+            </a:r>
+          </a:p>
+          <a:p>
+            <a:pPr algn="ctr"/>
+            <a:r>
+              <a:rPr lang="en-US" sz="1300" dirty="0">
+                <a:latin typeface="Arial" panose="020B0604020202020204" pitchFamily="34" charset="0"/>
+                <a:cs typeface="Arial" panose="020B0604020202020204" pitchFamily="34" charset="0"/>
+              </a:rPr>
+              <a:t>PRTP(PF01366)</a:t>
+            </a:r>
+          </a:p>
+          <a:p>
+            <a:pPr algn="ctr"/>
+            <a:r>
+              <a:rPr lang="en-US" sz="1300" dirty="0" err="1">
+                <a:latin typeface="Arial" panose="020B0604020202020204" pitchFamily="34" charset="0"/>
+                <a:cs typeface="Arial" panose="020B0604020202020204" pitchFamily="34" charset="0"/>
+              </a:rPr>
+              <a:t>Ribonuc_red_lgC</a:t>
+            </a:r>
+            <a:r>
+              <a:rPr lang="en-US" sz="1300" dirty="0">
+                <a:latin typeface="Arial" panose="020B0604020202020204" pitchFamily="34" charset="0"/>
+                <a:cs typeface="Arial" panose="020B0604020202020204" pitchFamily="34" charset="0"/>
+              </a:rPr>
+              <a:t>(PF02867)</a:t>
+            </a:r>
+          </a:p>
+          <a:p>
+            <a:pPr algn="ctr"/>
+            <a:r>
+              <a:rPr lang="en-US" sz="1300" dirty="0">
+                <a:latin typeface="Arial" panose="020B0604020202020204" pitchFamily="34" charset="0"/>
+                <a:cs typeface="Arial" panose="020B0604020202020204" pitchFamily="34" charset="0"/>
+              </a:rPr>
+              <a:t>UDG(PF03167)</a:t>
+            </a:r>
+          </a:p>
+          <a:p>
+            <a:pPr algn="ctr"/>
+            <a:r>
+              <a:rPr lang="en-US" sz="1300" dirty="0">
+                <a:latin typeface="Arial" panose="020B0604020202020204" pitchFamily="34" charset="0"/>
+                <a:cs typeface="Arial" panose="020B0604020202020204" pitchFamily="34" charset="0"/>
+              </a:rPr>
+              <a:t>UL11(PF11094)</a:t>
+            </a:r>
+          </a:p>
+          <a:p>
+            <a:pPr algn="ctr"/>
+            <a:r>
+              <a:rPr lang="en-US" sz="1300" dirty="0">
+                <a:latin typeface="Arial" panose="020B0604020202020204" pitchFamily="34" charset="0"/>
+                <a:cs typeface="Arial" panose="020B0604020202020204" pitchFamily="34" charset="0"/>
+              </a:rPr>
+              <a:t>UL45(PF05473)</a:t>
+            </a:r>
+          </a:p>
+          <a:p>
+            <a:pPr algn="ctr"/>
+            <a:r>
+              <a:rPr lang="en-US" sz="1300" dirty="0">
+                <a:latin typeface="Arial" panose="020B0604020202020204" pitchFamily="34" charset="0"/>
+                <a:cs typeface="Arial" panose="020B0604020202020204" pitchFamily="34" charset="0"/>
+              </a:rPr>
+              <a:t>US2(PF02476)</a:t>
+            </a:r>
+          </a:p>
+          <a:p>
+            <a:pPr algn="ctr"/>
+            <a:r>
+              <a:rPr lang="en-US" sz="1300" dirty="0" err="1">
+                <a:latin typeface="Arial" panose="020B0604020202020204" pitchFamily="34" charset="0"/>
+                <a:cs typeface="Arial" panose="020B0604020202020204" pitchFamily="34" charset="0"/>
+              </a:rPr>
+              <a:t>Viral_alk_exo</a:t>
+            </a:r>
+            <a:r>
+              <a:rPr lang="en-US" sz="1300" dirty="0">
+                <a:latin typeface="Arial" panose="020B0604020202020204" pitchFamily="34" charset="0"/>
+                <a:cs typeface="Arial" panose="020B0604020202020204" pitchFamily="34" charset="0"/>
+              </a:rPr>
+              <a:t>(PF01771)</a:t>
+            </a:r>
+          </a:p>
+          <a:p>
+            <a:pPr algn="ctr"/>
+            <a:r>
+              <a:rPr lang="en-US" sz="1300" dirty="0" err="1">
+                <a:latin typeface="Arial" panose="020B0604020202020204" pitchFamily="34" charset="0"/>
+                <a:cs typeface="Arial" panose="020B0604020202020204" pitchFamily="34" charset="0"/>
+              </a:rPr>
+              <a:t>Viral_DNA_bp</a:t>
+            </a:r>
+            <a:r>
+              <a:rPr lang="en-US" sz="1300" dirty="0">
+                <a:latin typeface="Arial" panose="020B0604020202020204" pitchFamily="34" charset="0"/>
+                <a:cs typeface="Arial" panose="020B0604020202020204" pitchFamily="34" charset="0"/>
+              </a:rPr>
+              <a:t>(PF00747)</a:t>
+            </a:r>
+          </a:p>
+          <a:p>
+            <a:pPr algn="ctr"/>
+            <a:r>
+              <a:rPr lang="en-US" sz="1300" dirty="0">
+                <a:latin typeface="Arial" panose="020B0604020202020204" pitchFamily="34" charset="0"/>
+                <a:cs typeface="Arial" panose="020B0604020202020204" pitchFamily="34" charset="0"/>
+              </a:rPr>
+              <a:t>XPG_I(PF00867)</a:t>
+            </a:r>
+          </a:p>
+          <a:p>
+            <a:pPr algn="ctr"/>
+            <a:r>
+              <a:rPr lang="en-US" sz="1300" dirty="0">
+                <a:latin typeface="Arial" panose="020B0604020202020204" pitchFamily="34" charset="0"/>
+                <a:cs typeface="Arial" panose="020B0604020202020204" pitchFamily="34" charset="0"/>
+              </a:rPr>
+              <a:t>zf-C3HC4_2(PF13923)</a:t>
+            </a:r>
+          </a:p>
+          <a:p>
+            <a:pPr algn="ctr"/>
+            <a:r>
+              <a:rPr lang="en-US" sz="1300" dirty="0">
+                <a:latin typeface="Arial" panose="020B0604020202020204" pitchFamily="34" charset="0"/>
+                <a:cs typeface="Arial" panose="020B0604020202020204" pitchFamily="34" charset="0"/>
+              </a:rPr>
+              <a:t>zf-C3HC4(PF00097)</a:t>
+            </a:r>
+          </a:p>
+          <a:p>
+            <a:pPr algn="ctr"/>
+            <a:r>
+              <a:rPr lang="en-US" sz="1300" dirty="0">
+                <a:latin typeface="Arial" panose="020B0604020202020204" pitchFamily="34" charset="0"/>
+                <a:cs typeface="Arial" panose="020B0604020202020204" pitchFamily="34" charset="0"/>
+              </a:rPr>
+              <a:t>zf-RING_2(PF13639)</a:t>
+            </a:r>
+          </a:p>
+          <a:p>
+            <a:pPr algn="ctr"/>
+            <a:endParaRPr lang="en-US" sz="1300" dirty="0">
+              <a:latin typeface="Arial" panose="020B0604020202020204" pitchFamily="34" charset="0"/>
+              <a:cs typeface="Arial" panose="020B0604020202020204" pitchFamily="34" charset="0"/>
+            </a:endParaRPr>
+          </a:p>
+        </p:txBody>
+      </p:sp>
+    </p:spTree>
+    <p:extLst>
+      <p:ext uri="{BB962C8B-B14F-4D97-AF65-F5344CB8AC3E}">
+        <p14:creationId xmlns:p14="http://schemas.microsoft.com/office/powerpoint/2010/main" val="925494785"/>
+      </p:ext>
+    </p:extLst>
+  </p:cSld>
+  <p:clrMapOvr>
+    <a:masterClrMapping/>
+  </p:clrMapOvr>
+</p:sld>
+</file>
+
 <file path=ppt/theme/theme1.xml><?xml version="1.0" encoding="utf-8"?>
 <a:theme xmlns:a="http://schemas.openxmlformats.org/drawingml/2006/main" name="Office Theme">
   <a:themeElements>
